--- a/Naveenkumar Mahalingam_PowerPoint Assignment.pptx
+++ b/Naveenkumar Mahalingam_PowerPoint Assignment.pptx
@@ -9,7 +9,6 @@
     <p:sldId id="257" r:id="rId3"/>
     <p:sldId id="258" r:id="rId4"/>
     <p:sldId id="260" r:id="rId5"/>
-    <p:sldId id="261" r:id="rId6"/>
   </p:sldIdLst>
   <p:sldSz cx="12192000" cy="6858000"/>
   <p:notesSz cx="6858000" cy="9144000"/>
@@ -211,7 +210,7 @@
           <a:effectLst/>
           <a:extLst>
             <a:ext uri="{91240B29-F687-4f45-9708-019B960494DF}">
-              <a14:hiddenLine xmlns:a14="http://schemas.microsoft.com/office/drawing/2010/main" xmlns="" w="9525">
+              <a14:hiddenLine xmlns="" xmlns:a14="http://schemas.microsoft.com/office/drawing/2010/main" w="9525">
                 <a:solidFill>
                   <a:srgbClr val="000000"/>
                 </a:solidFill>
@@ -403,7 +402,7 @@
           <a:p>
             <a:fld id="{9E019549-B624-487B-A1C9-E63EE9A84E5A}" type="datetimeFigureOut">
               <a:rPr lang="en-IN" smtClean="0"/>
-              <a:t>09-01-2023</a:t>
+              <a:t>21-10-2024</a:t>
             </a:fld>
             <a:endParaRPr lang="en-IN"/>
           </a:p>
@@ -721,7 +720,7 @@
           <a:p>
             <a:fld id="{9E019549-B624-487B-A1C9-E63EE9A84E5A}" type="datetimeFigureOut">
               <a:rPr lang="en-IN" smtClean="0"/>
-              <a:t>09-01-2023</a:t>
+              <a:t>21-10-2024</a:t>
             </a:fld>
             <a:endParaRPr lang="en-IN"/>
           </a:p>
@@ -1209,7 +1208,7 @@
           <a:p>
             <a:fld id="{9E019549-B624-487B-A1C9-E63EE9A84E5A}" type="datetimeFigureOut">
               <a:rPr lang="en-IN" smtClean="0"/>
-              <a:t>09-01-2023</a:t>
+              <a:t>21-10-2024</a:t>
             </a:fld>
             <a:endParaRPr lang="en-IN"/>
           </a:p>
@@ -1578,7 +1577,7 @@
           <a:p>
             <a:fld id="{9E019549-B624-487B-A1C9-E63EE9A84E5A}" type="datetimeFigureOut">
               <a:rPr lang="en-IN" smtClean="0"/>
-              <a:t>09-01-2023</a:t>
+              <a:t>21-10-2024</a:t>
             </a:fld>
             <a:endParaRPr lang="en-IN"/>
           </a:p>
@@ -1733,7 +1732,7 @@
           <a:ln/>
           <a:extLst>
             <a:ext uri="{91240B29-F687-4f45-9708-019B960494DF}">
-              <a14:hiddenLine xmlns:a14="http://schemas.microsoft.com/office/drawing/2010/main" xmlns="" w="9525">
+              <a14:hiddenLine xmlns="" xmlns:a14="http://schemas.microsoft.com/office/drawing/2010/main" w="9525">
                 <a:solidFill>
                   <a:srgbClr val="000000"/>
                 </a:solidFill>
@@ -1851,7 +1850,7 @@
           <a:p>
             <a:fld id="{9E019549-B624-487B-A1C9-E63EE9A84E5A}" type="datetimeFigureOut">
               <a:rPr lang="en-IN" smtClean="0"/>
-              <a:t>09-01-2023</a:t>
+              <a:t>21-10-2024</a:t>
             </a:fld>
             <a:endParaRPr lang="en-IN"/>
           </a:p>
@@ -2008,7 +2007,7 @@
           <a:ln/>
           <a:extLst>
             <a:ext uri="{91240B29-F687-4f45-9708-019B960494DF}">
-              <a14:hiddenLine xmlns:a14="http://schemas.microsoft.com/office/drawing/2010/main" xmlns="" w="9525">
+              <a14:hiddenLine xmlns="" xmlns:a14="http://schemas.microsoft.com/office/drawing/2010/main" w="9525">
                 <a:solidFill>
                   <a:srgbClr val="000000"/>
                 </a:solidFill>
@@ -2136,7 +2135,7 @@
           <a:p>
             <a:fld id="{9E019549-B624-487B-A1C9-E63EE9A84E5A}" type="datetimeFigureOut">
               <a:rPr lang="en-IN" smtClean="0"/>
-              <a:t>09-01-2023</a:t>
+              <a:t>21-10-2024</a:t>
             </a:fld>
             <a:endParaRPr lang="en-IN"/>
           </a:p>
@@ -2291,7 +2290,7 @@
           <a:ln/>
           <a:extLst>
             <a:ext uri="{91240B29-F687-4f45-9708-019B960494DF}">
-              <a14:hiddenLine xmlns:a14="http://schemas.microsoft.com/office/drawing/2010/main" xmlns="" w="9525">
+              <a14:hiddenLine xmlns="" xmlns:a14="http://schemas.microsoft.com/office/drawing/2010/main" w="9525">
                 <a:solidFill>
                   <a:srgbClr val="000000"/>
                 </a:solidFill>
@@ -2419,7 +2418,7 @@
           <a:p>
             <a:fld id="{9E019549-B624-487B-A1C9-E63EE9A84E5A}" type="datetimeFigureOut">
               <a:rPr lang="en-IN" smtClean="0"/>
-              <a:t>09-01-2023</a:t>
+              <a:t>21-10-2024</a:t>
             </a:fld>
             <a:endParaRPr lang="en-IN"/>
           </a:p>
@@ -2762,7 +2761,7 @@
           <a:p>
             <a:fld id="{9E019549-B624-487B-A1C9-E63EE9A84E5A}" type="datetimeFigureOut">
               <a:rPr lang="en-IN" smtClean="0"/>
-              <a:t>09-01-2023</a:t>
+              <a:t>21-10-2024</a:t>
             </a:fld>
             <a:endParaRPr lang="en-IN"/>
           </a:p>
@@ -2917,7 +2916,7 @@
           <a:ln/>
           <a:extLst>
             <a:ext uri="{91240B29-F687-4f45-9708-019B960494DF}">
-              <a14:hiddenLine xmlns:a14="http://schemas.microsoft.com/office/drawing/2010/main" xmlns="" w="9525">
+              <a14:hiddenLine xmlns="" xmlns:a14="http://schemas.microsoft.com/office/drawing/2010/main" w="9525">
                 <a:solidFill>
                   <a:srgbClr val="000000"/>
                 </a:solidFill>
@@ -3101,7 +3100,7 @@
           <a:p>
             <a:fld id="{9E019549-B624-487B-A1C9-E63EE9A84E5A}" type="datetimeFigureOut">
               <a:rPr lang="en-IN" smtClean="0"/>
-              <a:t>09-01-2023</a:t>
+              <a:t>21-10-2024</a:t>
             </a:fld>
             <a:endParaRPr lang="en-IN"/>
           </a:p>
@@ -3256,7 +3255,7 @@
           <a:ln/>
           <a:extLst>
             <a:ext uri="{91240B29-F687-4f45-9708-019B960494DF}">
-              <a14:hiddenLine xmlns:a14="http://schemas.microsoft.com/office/drawing/2010/main" xmlns="" w="9525">
+              <a14:hiddenLine xmlns="" xmlns:a14="http://schemas.microsoft.com/office/drawing/2010/main" w="9525">
                 <a:solidFill>
                   <a:srgbClr val="000000"/>
                 </a:solidFill>
@@ -3578,7 +3577,7 @@
           <a:p>
             <a:fld id="{9E019549-B624-487B-A1C9-E63EE9A84E5A}" type="datetimeFigureOut">
               <a:rPr lang="en-IN" smtClean="0"/>
-              <a:t>09-01-2023</a:t>
+              <a:t>21-10-2024</a:t>
             </a:fld>
             <a:endParaRPr lang="en-IN"/>
           </a:p>
@@ -3733,7 +3732,7 @@
           <a:ln/>
           <a:extLst>
             <a:ext uri="{91240B29-F687-4f45-9708-019B960494DF}">
-              <a14:hiddenLine xmlns:a14="http://schemas.microsoft.com/office/drawing/2010/main" xmlns="" w="9525">
+              <a14:hiddenLine xmlns="" xmlns:a14="http://schemas.microsoft.com/office/drawing/2010/main" w="9525">
                 <a:solidFill>
                   <a:srgbClr val="000000"/>
                 </a:solidFill>
@@ -3799,7 +3798,7 @@
           <a:p>
             <a:fld id="{9E019549-B624-487B-A1C9-E63EE9A84E5A}" type="datetimeFigureOut">
               <a:rPr lang="en-IN" smtClean="0"/>
-              <a:t>09-01-2023</a:t>
+              <a:t>21-10-2024</a:t>
             </a:fld>
             <a:endParaRPr lang="en-IN"/>
           </a:p>
@@ -3894,7 +3893,7 @@
           <a:p>
             <a:fld id="{9E019549-B624-487B-A1C9-E63EE9A84E5A}" type="datetimeFigureOut">
               <a:rPr lang="en-IN" smtClean="0"/>
-              <a:t>09-01-2023</a:t>
+              <a:t>21-10-2024</a:t>
             </a:fld>
             <a:endParaRPr lang="en-IN"/>
           </a:p>
@@ -4162,7 +4161,7 @@
           <a:ln/>
           <a:extLst>
             <a:ext uri="{91240B29-F687-4f45-9708-019B960494DF}">
-              <a14:hiddenLine xmlns:a14="http://schemas.microsoft.com/office/drawing/2010/main" xmlns="" w="9525">
+              <a14:hiddenLine xmlns="" xmlns:a14="http://schemas.microsoft.com/office/drawing/2010/main" w="9525">
                 <a:solidFill>
                   <a:srgbClr val="000000"/>
                 </a:solidFill>
@@ -4361,7 +4360,7 @@
           <a:p>
             <a:fld id="{9E019549-B624-487B-A1C9-E63EE9A84E5A}" type="datetimeFigureOut">
               <a:rPr lang="en-IN" smtClean="0"/>
-              <a:t>09-01-2023</a:t>
+              <a:t>21-10-2024</a:t>
             </a:fld>
             <a:endParaRPr lang="en-IN"/>
           </a:p>
@@ -4674,7 +4673,7 @@
           <a:p>
             <a:fld id="{9E019549-B624-487B-A1C9-E63EE9A84E5A}" type="datetimeFigureOut">
               <a:rPr lang="en-IN" smtClean="0"/>
-              <a:t>09-01-2023</a:t>
+              <a:t>21-10-2024</a:t>
             </a:fld>
             <a:endParaRPr lang="en-IN"/>
           </a:p>
@@ -4944,7 +4943,7 @@
           <a:p>
             <a:fld id="{9E019549-B624-487B-A1C9-E63EE9A84E5A}" type="datetimeFigureOut">
               <a:rPr lang="en-IN" smtClean="0"/>
-              <a:t>09-01-2023</a:t>
+              <a:t>21-10-2024</a:t>
             </a:fld>
             <a:endParaRPr lang="en-IN"/>
           </a:p>
@@ -5495,7 +5494,7 @@
           <a:ln/>
           <a:extLst>
             <a:ext uri="{91240B29-F687-4f45-9708-019B960494DF}">
-              <a14:hiddenLine xmlns="" xmlns:a16="http://schemas.microsoft.com/office/drawing/2014/main" xmlns:p14="http://schemas.microsoft.com/office/powerpoint/2010/main" xmlns:a14="http://schemas.microsoft.com/office/drawing/2010/main" w="9525">
+              <a14:hiddenLine xmlns:a14="http://schemas.microsoft.com/office/drawing/2010/main" xmlns:p14="http://schemas.microsoft.com/office/powerpoint/2010/main" xmlns:a16="http://schemas.microsoft.com/office/drawing/2014/main" xmlns="" w="9525">
                 <a:solidFill>
                   <a:srgbClr val="000000"/>
                 </a:solidFill>
@@ -5520,6 +5519,13 @@
             <a:schemeClr val="lt1"/>
           </a:fontRef>
         </p:style>
+        <p:txBody>
+          <a:bodyPr/>
+          <a:lstStyle/>
+          <a:p>
+            <a:endParaRPr lang="en-IN"/>
+          </a:p>
+        </p:txBody>
       </p:sp>
       <p:sp>
         <p:nvSpPr>
@@ -9494,1294 +9500,6 @@
   </p:clrMapOvr>
   <p:transition spd="slow">
     <p:push dir="r"/>
-  </p:transition>
-</p:sld>
-</file>
-
-<file path=ppt/slides/slide5.xml><?xml version="1.0" encoding="utf-8"?>
-<p:sld xmlns:a="http://schemas.openxmlformats.org/drawingml/2006/main" xmlns:r="http://schemas.openxmlformats.org/officeDocument/2006/relationships" xmlns:p="http://schemas.openxmlformats.org/presentationml/2006/main">
-  <p:cSld>
-    <p:spTree>
-      <p:nvGrpSpPr>
-        <p:cNvPr id="1" name=""/>
-        <p:cNvGrpSpPr/>
-        <p:nvPr/>
-      </p:nvGrpSpPr>
-      <p:grpSpPr>
-        <a:xfrm>
-          <a:off x="0" y="0"/>
-          <a:ext cx="0" cy="0"/>
-          <a:chOff x="0" y="0"/>
-          <a:chExt cx="0" cy="0"/>
-        </a:xfrm>
-      </p:grpSpPr>
-      <p:sp>
-        <p:nvSpPr>
-          <p:cNvPr id="13" name="Rectangle: Rounded Corners 12">
-            <a:extLst>
-              <a:ext uri="{FF2B5EF4-FFF2-40B4-BE49-F238E27FC236}">
-                <a16:creationId xmlns:a16="http://schemas.microsoft.com/office/drawing/2014/main" id="{5464725D-7E1E-47B2-96B8-65019D31AF1D}"/>
-              </a:ext>
-            </a:extLst>
-          </p:cNvPr>
-          <p:cNvSpPr/>
-          <p:nvPr/>
-        </p:nvSpPr>
-        <p:spPr>
-          <a:xfrm>
-            <a:off x="945919" y="6107887"/>
-            <a:ext cx="153825" cy="228162"/>
-          </a:xfrm>
-          <a:prstGeom prst="roundRect">
-            <a:avLst/>
-          </a:prstGeom>
-        </p:spPr>
-        <p:style>
-          <a:lnRef idx="2">
-            <a:schemeClr val="accent1">
-              <a:shade val="50000"/>
-            </a:schemeClr>
-          </a:lnRef>
-          <a:fillRef idx="1">
-            <a:schemeClr val="accent1"/>
-          </a:fillRef>
-          <a:effectRef idx="0">
-            <a:schemeClr val="accent1"/>
-          </a:effectRef>
-          <a:fontRef idx="minor">
-            <a:schemeClr val="lt1"/>
-          </a:fontRef>
-        </p:style>
-        <p:txBody>
-          <a:bodyPr rtlCol="0" anchor="ctr"/>
-          <a:lstStyle/>
-          <a:p>
-            <a:pPr algn="ctr"/>
-            <a:endParaRPr lang="en-IN"/>
-          </a:p>
-        </p:txBody>
-      </p:sp>
-      <p:sp>
-        <p:nvSpPr>
-          <p:cNvPr id="9" name="Rectangle: Rounded Corners 8">
-            <a:extLst>
-              <a:ext uri="{FF2B5EF4-FFF2-40B4-BE49-F238E27FC236}">
-                <a16:creationId xmlns:a16="http://schemas.microsoft.com/office/drawing/2014/main" id="{428D610E-BB11-4DAF-BC4A-68D2938FA6C8}"/>
-              </a:ext>
-            </a:extLst>
-          </p:cNvPr>
-          <p:cNvSpPr/>
-          <p:nvPr/>
-        </p:nvSpPr>
-        <p:spPr>
-          <a:xfrm>
-            <a:off x="910447" y="5699228"/>
-            <a:ext cx="215045" cy="233959"/>
-          </a:xfrm>
-          <a:prstGeom prst="roundRect">
-            <a:avLst/>
-          </a:prstGeom>
-        </p:spPr>
-        <p:style>
-          <a:lnRef idx="2">
-            <a:schemeClr val="accent1">
-              <a:shade val="50000"/>
-            </a:schemeClr>
-          </a:lnRef>
-          <a:fillRef idx="1">
-            <a:schemeClr val="accent1"/>
-          </a:fillRef>
-          <a:effectRef idx="0">
-            <a:schemeClr val="accent1"/>
-          </a:effectRef>
-          <a:fontRef idx="minor">
-            <a:schemeClr val="lt1"/>
-          </a:fontRef>
-        </p:style>
-        <p:txBody>
-          <a:bodyPr rtlCol="0" anchor="ctr"/>
-          <a:lstStyle/>
-          <a:p>
-            <a:pPr algn="ctr"/>
-            <a:endParaRPr lang="en-IN"/>
-          </a:p>
-        </p:txBody>
-      </p:sp>
-      <p:sp>
-        <p:nvSpPr>
-          <p:cNvPr id="7" name="Rectangle: Rounded Corners 6">
-            <a:extLst>
-              <a:ext uri="{FF2B5EF4-FFF2-40B4-BE49-F238E27FC236}">
-                <a16:creationId xmlns:a16="http://schemas.microsoft.com/office/drawing/2014/main" id="{6DC4C153-4056-4DE8-9DDE-6B6E4CBA65DF}"/>
-              </a:ext>
-            </a:extLst>
-          </p:cNvPr>
-          <p:cNvSpPr/>
-          <p:nvPr/>
-        </p:nvSpPr>
-        <p:spPr>
-          <a:xfrm>
-            <a:off x="910447" y="4909751"/>
-            <a:ext cx="243673" cy="317157"/>
-          </a:xfrm>
-          <a:prstGeom prst="roundRect">
-            <a:avLst/>
-          </a:prstGeom>
-        </p:spPr>
-        <p:style>
-          <a:lnRef idx="2">
-            <a:schemeClr val="accent1">
-              <a:shade val="50000"/>
-            </a:schemeClr>
-          </a:lnRef>
-          <a:fillRef idx="1">
-            <a:schemeClr val="accent1"/>
-          </a:fillRef>
-          <a:effectRef idx="0">
-            <a:schemeClr val="accent1"/>
-          </a:effectRef>
-          <a:fontRef idx="minor">
-            <a:schemeClr val="lt1"/>
-          </a:fontRef>
-        </p:style>
-        <p:txBody>
-          <a:bodyPr rtlCol="0" anchor="ctr"/>
-          <a:lstStyle/>
-          <a:p>
-            <a:pPr algn="ctr"/>
-            <a:endParaRPr lang="en-IN"/>
-          </a:p>
-        </p:txBody>
-      </p:sp>
-      <p:sp>
-        <p:nvSpPr>
-          <p:cNvPr id="2" name="TextBox 1">
-            <a:extLst>
-              <a:ext uri="{FF2B5EF4-FFF2-40B4-BE49-F238E27FC236}">
-                <a16:creationId xmlns:a16="http://schemas.microsoft.com/office/drawing/2014/main" id="{22A25770-3DA7-413A-BA5E-513C5BC4BB0D}"/>
-              </a:ext>
-            </a:extLst>
-          </p:cNvPr>
-          <p:cNvSpPr txBox="1"/>
-          <p:nvPr/>
-        </p:nvSpPr>
-        <p:spPr>
-          <a:xfrm>
-            <a:off x="610071" y="908637"/>
-            <a:ext cx="2374232" cy="584775"/>
-          </a:xfrm>
-          <a:prstGeom prst="rect">
-            <a:avLst/>
-          </a:prstGeom>
-          <a:noFill/>
-        </p:spPr>
-        <p:txBody>
-          <a:bodyPr wrap="square" rtlCol="0">
-            <a:spAutoFit/>
-          </a:bodyPr>
-          <a:lstStyle/>
-          <a:p>
-            <a:r>
-              <a:rPr lang="en-GB" sz="3200" b="1" dirty="0">
-                <a:solidFill>
-                  <a:schemeClr val="accent1">
-                    <a:lumMod val="40000"/>
-                    <a:lumOff val="60000"/>
-                  </a:schemeClr>
-                </a:solidFill>
-                <a:latin typeface="Open Sans" panose="020B0606030504020204" pitchFamily="34" charset="0"/>
-              </a:rPr>
-              <a:t>L</a:t>
-            </a:r>
-            <a:r>
-              <a:rPr lang="en-IN" sz="3200" b="1" dirty="0" err="1">
-                <a:solidFill>
-                  <a:schemeClr val="accent1">
-                    <a:lumMod val="40000"/>
-                    <a:lumOff val="60000"/>
-                  </a:schemeClr>
-                </a:solidFill>
-                <a:latin typeface="Open Sans" panose="020B0606030504020204" pitchFamily="34" charset="0"/>
-              </a:rPr>
-              <a:t>istView</a:t>
-            </a:r>
-            <a:endParaRPr lang="en-IN" sz="3200" dirty="0">
-              <a:solidFill>
-                <a:schemeClr val="accent1">
-                  <a:lumMod val="40000"/>
-                  <a:lumOff val="60000"/>
-                </a:schemeClr>
-              </a:solidFill>
-            </a:endParaRPr>
-          </a:p>
-        </p:txBody>
-      </p:sp>
-      <p:sp>
-        <p:nvSpPr>
-          <p:cNvPr id="3" name="TextBox 2">
-            <a:extLst>
-              <a:ext uri="{FF2B5EF4-FFF2-40B4-BE49-F238E27FC236}">
-                <a16:creationId xmlns:a16="http://schemas.microsoft.com/office/drawing/2014/main" id="{983CC60F-FFB0-41AA-AEC8-68FDB9F5F0B5}"/>
-              </a:ext>
-            </a:extLst>
-          </p:cNvPr>
-          <p:cNvSpPr txBox="1"/>
-          <p:nvPr/>
-        </p:nvSpPr>
-        <p:spPr>
-          <a:xfrm>
-            <a:off x="610071" y="1736404"/>
-            <a:ext cx="5341354" cy="1569660"/>
-          </a:xfrm>
-          <a:prstGeom prst="rect">
-            <a:avLst/>
-          </a:prstGeom>
-          <a:noFill/>
-        </p:spPr>
-        <p:txBody>
-          <a:bodyPr wrap="square" rtlCol="0">
-            <a:spAutoFit/>
-          </a:bodyPr>
-          <a:lstStyle/>
-          <a:p>
-            <a:r>
-              <a:rPr lang="en-GB" sz="1600" b="0" i="0" dirty="0">
-                <a:effectLst/>
-                <a:latin typeface="Open Sans" panose="020B0606030504020204" pitchFamily="34" charset="0"/>
-                <a:ea typeface="Open Sans" panose="020B0606030504020204" pitchFamily="34" charset="0"/>
-                <a:cs typeface="Open Sans" panose="020B0606030504020204" pitchFamily="34" charset="0"/>
-              </a:rPr>
-              <a:t>The </a:t>
-            </a:r>
-            <a:r>
-              <a:rPr lang="en-GB" sz="1600" b="0" i="0" dirty="0" err="1">
-                <a:effectLst/>
-                <a:latin typeface="Open Sans" panose="020B0606030504020204" pitchFamily="34" charset="0"/>
-                <a:ea typeface="Open Sans" panose="020B0606030504020204" pitchFamily="34" charset="0"/>
-                <a:cs typeface="Open Sans" panose="020B0606030504020204" pitchFamily="34" charset="0"/>
-              </a:rPr>
-              <a:t>ListView</a:t>
-            </a:r>
-            <a:r>
-              <a:rPr lang="en-GB" sz="1600" b="0" i="0" dirty="0">
-                <a:effectLst/>
-                <a:latin typeface="Open Sans" panose="020B0606030504020204" pitchFamily="34" charset="0"/>
-                <a:ea typeface="Open Sans" panose="020B0606030504020204" pitchFamily="34" charset="0"/>
-                <a:cs typeface="Open Sans" panose="020B0606030504020204" pitchFamily="34" charset="0"/>
-              </a:rPr>
-              <a:t> renders a set of data items with UI views or custom templates. It has many features like grouping, sorting, filtering, paging, swiping, multiple selection, drag and drop, and different layout types. The </a:t>
-            </a:r>
-            <a:r>
-              <a:rPr lang="en-GB" sz="1600" b="0" i="0" dirty="0" err="1">
-                <a:effectLst/>
-                <a:latin typeface="Open Sans" panose="020B0606030504020204" pitchFamily="34" charset="0"/>
-                <a:ea typeface="Open Sans" panose="020B0606030504020204" pitchFamily="34" charset="0"/>
-                <a:cs typeface="Open Sans" panose="020B0606030504020204" pitchFamily="34" charset="0"/>
-              </a:rPr>
-              <a:t>ListView</a:t>
-            </a:r>
-            <a:r>
-              <a:rPr lang="en-GB" sz="1600" b="0" i="0" dirty="0">
-                <a:effectLst/>
-                <a:latin typeface="Open Sans" panose="020B0606030504020204" pitchFamily="34" charset="0"/>
-                <a:ea typeface="Open Sans" panose="020B0606030504020204" pitchFamily="34" charset="0"/>
-                <a:cs typeface="Open Sans" panose="020B0606030504020204" pitchFamily="34" charset="0"/>
-              </a:rPr>
-              <a:t> control has been optimized to work with large amounts of data.</a:t>
-            </a:r>
-            <a:endParaRPr lang="en-IN" sz="1600" dirty="0">
-              <a:latin typeface="Open Sans" panose="020B0606030504020204" pitchFamily="34" charset="0"/>
-              <a:ea typeface="Open Sans" panose="020B0606030504020204" pitchFamily="34" charset="0"/>
-              <a:cs typeface="Open Sans" panose="020B0606030504020204" pitchFamily="34" charset="0"/>
-            </a:endParaRPr>
-          </a:p>
-        </p:txBody>
-      </p:sp>
-      <p:sp>
-        <p:nvSpPr>
-          <p:cNvPr id="4" name="TextBox 3">
-            <a:extLst>
-              <a:ext uri="{FF2B5EF4-FFF2-40B4-BE49-F238E27FC236}">
-                <a16:creationId xmlns:a16="http://schemas.microsoft.com/office/drawing/2014/main" id="{198BBD6A-304B-4CFD-A987-9B87A6243A07}"/>
-              </a:ext>
-            </a:extLst>
-          </p:cNvPr>
-          <p:cNvSpPr txBox="1"/>
-          <p:nvPr/>
-        </p:nvSpPr>
-        <p:spPr>
-          <a:xfrm>
-            <a:off x="610071" y="4187098"/>
-            <a:ext cx="2983832" cy="369332"/>
-          </a:xfrm>
-          <a:prstGeom prst="rect">
-            <a:avLst/>
-          </a:prstGeom>
-          <a:noFill/>
-        </p:spPr>
-        <p:txBody>
-          <a:bodyPr wrap="square" rtlCol="0">
-            <a:spAutoFit/>
-          </a:bodyPr>
-          <a:lstStyle/>
-          <a:p>
-            <a:r>
-              <a:rPr lang="en-IN" b="1" i="0" dirty="0">
-                <a:solidFill>
-                  <a:schemeClr val="accent1">
-                    <a:lumMod val="40000"/>
-                    <a:lumOff val="60000"/>
-                  </a:schemeClr>
-                </a:solidFill>
-                <a:effectLst/>
-                <a:latin typeface="Open Sans" panose="020B0606030504020204" pitchFamily="34" charset="0"/>
-              </a:rPr>
-              <a:t>SUPPORTED PLATFORMS</a:t>
-            </a:r>
-            <a:endParaRPr lang="en-IN" dirty="0">
-              <a:solidFill>
-                <a:schemeClr val="accent1">
-                  <a:lumMod val="40000"/>
-                  <a:lumOff val="60000"/>
-                </a:schemeClr>
-              </a:solidFill>
-            </a:endParaRPr>
-          </a:p>
-        </p:txBody>
-      </p:sp>
-      <p:pic>
-        <p:nvPicPr>
-          <p:cNvPr id="3078" name="Picture 6" descr="Earth Globe Svg Png Icon Free Download (#499092 ...">
-            <a:extLst>
-              <a:ext uri="{FF2B5EF4-FFF2-40B4-BE49-F238E27FC236}">
-                <a16:creationId xmlns:a16="http://schemas.microsoft.com/office/drawing/2014/main" id="{7494F4EA-0FA7-4A89-9C04-337150167F0C}"/>
-              </a:ext>
-            </a:extLst>
-          </p:cNvPr>
-          <p:cNvPicPr>
-            <a:picLocks noChangeAspect="1" noChangeArrowheads="1"/>
-          </p:cNvPicPr>
-          <p:nvPr/>
-        </p:nvPicPr>
-        <p:blipFill>
-          <a:blip r:embed="rId2">
-            <a:extLst>
-              <a:ext uri="{28A0092B-C50C-407E-A947-70E740481C1C}">
-                <a14:useLocalDpi xmlns:a14="http://schemas.microsoft.com/office/drawing/2010/main" val="0"/>
-              </a:ext>
-            </a:extLst>
-          </a:blip>
-          <a:srcRect/>
-          <a:stretch>
-            <a:fillRect/>
-          </a:stretch>
-        </p:blipFill>
-        <p:spPr bwMode="auto">
-          <a:xfrm>
-            <a:off x="910448" y="4957395"/>
-            <a:ext cx="239720" cy="233959"/>
-          </a:xfrm>
-          <a:prstGeom prst="rect">
-            <a:avLst/>
-          </a:prstGeom>
-          <a:noFill/>
-          <a:extLst>
-            <a:ext uri="{909E8E84-426E-40DD-AFC4-6F175D3DCCD1}">
-              <a14:hiddenFill xmlns:a14="http://schemas.microsoft.com/office/drawing/2010/main">
-                <a:solidFill>
-                  <a:srgbClr val="FFFFFF"/>
-                </a:solidFill>
-              </a14:hiddenFill>
-            </a:ext>
-          </a:extLst>
-        </p:spPr>
-      </p:pic>
-      <p:cxnSp>
-        <p:nvCxnSpPr>
-          <p:cNvPr id="6" name="Straight Connector 5">
-            <a:extLst>
-              <a:ext uri="{FF2B5EF4-FFF2-40B4-BE49-F238E27FC236}">
-                <a16:creationId xmlns:a16="http://schemas.microsoft.com/office/drawing/2014/main" id="{C5562311-70FE-4D02-87DF-F2FAD14020CA}"/>
-              </a:ext>
-            </a:extLst>
-          </p:cNvPr>
-          <p:cNvCxnSpPr>
-            <a:cxnSpLocks/>
-          </p:cNvCxnSpPr>
-          <p:nvPr/>
-        </p:nvCxnSpPr>
-        <p:spPr>
-          <a:xfrm>
-            <a:off x="1413024" y="4775212"/>
-            <a:ext cx="4710" cy="668649"/>
-          </a:xfrm>
-          <a:prstGeom prst="line">
-            <a:avLst/>
-          </a:prstGeom>
-        </p:spPr>
-        <p:style>
-          <a:lnRef idx="1">
-            <a:schemeClr val="accent1"/>
-          </a:lnRef>
-          <a:fillRef idx="0">
-            <a:schemeClr val="accent1"/>
-          </a:fillRef>
-          <a:effectRef idx="0">
-            <a:schemeClr val="accent1"/>
-          </a:effectRef>
-          <a:fontRef idx="minor">
-            <a:schemeClr val="tx1"/>
-          </a:fontRef>
-        </p:style>
-      </p:cxnSp>
-      <p:cxnSp>
-        <p:nvCxnSpPr>
-          <p:cNvPr id="8" name="Straight Connector 7">
-            <a:extLst>
-              <a:ext uri="{FF2B5EF4-FFF2-40B4-BE49-F238E27FC236}">
-                <a16:creationId xmlns:a16="http://schemas.microsoft.com/office/drawing/2014/main" id="{FC342BA7-AB5A-4017-A0C3-784A30197848}"/>
-              </a:ext>
-            </a:extLst>
-          </p:cNvPr>
-          <p:cNvCxnSpPr>
-            <a:cxnSpLocks/>
-          </p:cNvCxnSpPr>
-          <p:nvPr/>
-        </p:nvCxnSpPr>
-        <p:spPr>
-          <a:xfrm>
-            <a:off x="1413024" y="5662576"/>
-            <a:ext cx="0" cy="273707"/>
-          </a:xfrm>
-          <a:prstGeom prst="line">
-            <a:avLst/>
-          </a:prstGeom>
-        </p:spPr>
-        <p:style>
-          <a:lnRef idx="1">
-            <a:schemeClr val="accent1"/>
-          </a:lnRef>
-          <a:fillRef idx="0">
-            <a:schemeClr val="accent1"/>
-          </a:fillRef>
-          <a:effectRef idx="0">
-            <a:schemeClr val="accent1"/>
-          </a:effectRef>
-          <a:fontRef idx="minor">
-            <a:schemeClr val="tx1"/>
-          </a:fontRef>
-        </p:style>
-      </p:cxnSp>
-      <p:cxnSp>
-        <p:nvCxnSpPr>
-          <p:cNvPr id="11" name="Straight Connector 10">
-            <a:extLst>
-              <a:ext uri="{FF2B5EF4-FFF2-40B4-BE49-F238E27FC236}">
-                <a16:creationId xmlns:a16="http://schemas.microsoft.com/office/drawing/2014/main" id="{1D9DEEC7-6637-4954-BE71-F1EB0F7CB255}"/>
-              </a:ext>
-            </a:extLst>
-          </p:cNvPr>
-          <p:cNvCxnSpPr>
-            <a:cxnSpLocks/>
-          </p:cNvCxnSpPr>
-          <p:nvPr/>
-        </p:nvCxnSpPr>
-        <p:spPr>
-          <a:xfrm>
-            <a:off x="1413024" y="6107887"/>
-            <a:ext cx="0" cy="210104"/>
-          </a:xfrm>
-          <a:prstGeom prst="line">
-            <a:avLst/>
-          </a:prstGeom>
-        </p:spPr>
-        <p:style>
-          <a:lnRef idx="1">
-            <a:schemeClr val="accent1"/>
-          </a:lnRef>
-          <a:fillRef idx="0">
-            <a:schemeClr val="accent1"/>
-          </a:fillRef>
-          <a:effectRef idx="0">
-            <a:schemeClr val="accent1"/>
-          </a:effectRef>
-          <a:fontRef idx="minor">
-            <a:schemeClr val="tx1"/>
-          </a:fontRef>
-        </p:style>
-      </p:cxnSp>
-      <p:pic>
-        <p:nvPicPr>
-          <p:cNvPr id="1026" name="Picture 2" descr="Free Computer SVG, PNG Icon, Symbol. Download Image.">
-            <a:extLst>
-              <a:ext uri="{FF2B5EF4-FFF2-40B4-BE49-F238E27FC236}">
-                <a16:creationId xmlns:a16="http://schemas.microsoft.com/office/drawing/2014/main" id="{9A751CFC-6B0F-4A54-8570-6E86AFA56177}"/>
-              </a:ext>
-            </a:extLst>
-          </p:cNvPr>
-          <p:cNvPicPr>
-            <a:picLocks noChangeAspect="1" noChangeArrowheads="1"/>
-          </p:cNvPicPr>
-          <p:nvPr/>
-        </p:nvPicPr>
-        <p:blipFill>
-          <a:blip r:embed="rId3">
-            <a:extLst>
-              <a:ext uri="{28A0092B-C50C-407E-A947-70E740481C1C}">
-                <a14:useLocalDpi xmlns:a14="http://schemas.microsoft.com/office/drawing/2010/main" val="0"/>
-              </a:ext>
-            </a:extLst>
-          </a:blip>
-          <a:srcRect/>
-          <a:stretch>
-            <a:fillRect/>
-          </a:stretch>
-        </p:blipFill>
-        <p:spPr bwMode="auto">
-          <a:xfrm>
-            <a:off x="906924" y="5704791"/>
-            <a:ext cx="226594" cy="242055"/>
-          </a:xfrm>
-          <a:prstGeom prst="rect">
-            <a:avLst/>
-          </a:prstGeom>
-          <a:noFill/>
-          <a:extLst>
-            <a:ext uri="{909E8E84-426E-40DD-AFC4-6F175D3DCCD1}">
-              <a14:hiddenFill xmlns:a14="http://schemas.microsoft.com/office/drawing/2010/main">
-                <a:solidFill>
-                  <a:srgbClr val="FFFFFF"/>
-                </a:solidFill>
-              </a14:hiddenFill>
-            </a:ext>
-          </a:extLst>
-        </p:spPr>
-      </p:pic>
-      <p:pic>
-        <p:nvPicPr>
-          <p:cNvPr id="1028" name="Picture 4" descr="Free Icon | Smartphone">
-            <a:extLst>
-              <a:ext uri="{FF2B5EF4-FFF2-40B4-BE49-F238E27FC236}">
-                <a16:creationId xmlns:a16="http://schemas.microsoft.com/office/drawing/2014/main" id="{D2F6EB50-6F11-444E-B087-B9342987AEC4}"/>
-              </a:ext>
-            </a:extLst>
-          </p:cNvPr>
-          <p:cNvPicPr>
-            <a:picLocks noChangeAspect="1" noChangeArrowheads="1"/>
-          </p:cNvPicPr>
-          <p:nvPr/>
-        </p:nvPicPr>
-        <p:blipFill>
-          <a:blip r:embed="rId4">
-            <a:extLst>
-              <a:ext uri="{28A0092B-C50C-407E-A947-70E740481C1C}">
-                <a14:useLocalDpi xmlns:a14="http://schemas.microsoft.com/office/drawing/2010/main" val="0"/>
-              </a:ext>
-            </a:extLst>
-          </a:blip>
-          <a:srcRect/>
-          <a:stretch>
-            <a:fillRect/>
-          </a:stretch>
-        </p:blipFill>
-        <p:spPr bwMode="auto">
-          <a:xfrm>
-            <a:off x="913670" y="6129933"/>
-            <a:ext cx="215052" cy="196445"/>
-          </a:xfrm>
-          <a:prstGeom prst="rect">
-            <a:avLst/>
-          </a:prstGeom>
-          <a:noFill/>
-          <a:extLst>
-            <a:ext uri="{909E8E84-426E-40DD-AFC4-6F175D3DCCD1}">
-              <a14:hiddenFill xmlns:a14="http://schemas.microsoft.com/office/drawing/2010/main">
-                <a:solidFill>
-                  <a:srgbClr val="FFFFFF"/>
-                </a:solidFill>
-              </a14:hiddenFill>
-            </a:ext>
-          </a:extLst>
-        </p:spPr>
-      </p:pic>
-      <p:sp>
-        <p:nvSpPr>
-          <p:cNvPr id="10" name="TextBox 9">
-            <a:extLst>
-              <a:ext uri="{FF2B5EF4-FFF2-40B4-BE49-F238E27FC236}">
-                <a16:creationId xmlns:a16="http://schemas.microsoft.com/office/drawing/2014/main" id="{9363181B-518D-49EC-B970-4F82F199B22B}"/>
-              </a:ext>
-            </a:extLst>
-          </p:cNvPr>
-          <p:cNvSpPr txBox="1"/>
-          <p:nvPr/>
-        </p:nvSpPr>
-        <p:spPr>
-          <a:xfrm>
-            <a:off x="1640731" y="4790757"/>
-            <a:ext cx="1115439" cy="246221"/>
-          </a:xfrm>
-          <a:prstGeom prst="rect">
-            <a:avLst/>
-          </a:prstGeom>
-          <a:noFill/>
-        </p:spPr>
-        <p:txBody>
-          <a:bodyPr wrap="square" rtlCol="0">
-            <a:spAutoFit/>
-          </a:bodyPr>
-          <a:lstStyle/>
-          <a:p>
-            <a:pPr marL="285750" indent="-285750">
-              <a:buFont typeface="Arial" panose="020B0604020202020204" pitchFamily="34" charset="0"/>
-              <a:buChar char="•"/>
-            </a:pPr>
-            <a:r>
-              <a:rPr lang="en-GB" sz="1000" dirty="0"/>
-              <a:t>JavaScript</a:t>
-            </a:r>
-            <a:endParaRPr lang="en-IN" sz="1000" dirty="0"/>
-          </a:p>
-        </p:txBody>
-      </p:sp>
-      <p:sp>
-        <p:nvSpPr>
-          <p:cNvPr id="12" name="TextBox 11">
-            <a:extLst>
-              <a:ext uri="{FF2B5EF4-FFF2-40B4-BE49-F238E27FC236}">
-                <a16:creationId xmlns:a16="http://schemas.microsoft.com/office/drawing/2014/main" id="{27375E65-23C4-4C12-A0B1-17C0325C0AE1}"/>
-              </a:ext>
-            </a:extLst>
-          </p:cNvPr>
-          <p:cNvSpPr txBox="1"/>
-          <p:nvPr/>
-        </p:nvSpPr>
-        <p:spPr>
-          <a:xfrm>
-            <a:off x="2742857" y="4787901"/>
-            <a:ext cx="972766" cy="246221"/>
-          </a:xfrm>
-          <a:prstGeom prst="rect">
-            <a:avLst/>
-          </a:prstGeom>
-          <a:noFill/>
-        </p:spPr>
-        <p:txBody>
-          <a:bodyPr wrap="square" rtlCol="0">
-            <a:spAutoFit/>
-          </a:bodyPr>
-          <a:lstStyle/>
-          <a:p>
-            <a:pPr marL="285750" indent="-285750">
-              <a:buFont typeface="Arial" panose="020B0604020202020204" pitchFamily="34" charset="0"/>
-              <a:buChar char="•"/>
-            </a:pPr>
-            <a:r>
-              <a:rPr lang="en-GB" sz="1000" dirty="0"/>
-              <a:t>Angular</a:t>
-            </a:r>
-            <a:endParaRPr lang="en-IN" sz="1000" dirty="0"/>
-          </a:p>
-        </p:txBody>
-      </p:sp>
-      <p:sp>
-        <p:nvSpPr>
-          <p:cNvPr id="14" name="TextBox 13">
-            <a:extLst>
-              <a:ext uri="{FF2B5EF4-FFF2-40B4-BE49-F238E27FC236}">
-                <a16:creationId xmlns:a16="http://schemas.microsoft.com/office/drawing/2014/main" id="{972C9A0F-0808-4978-879A-D2523E88CDCA}"/>
-              </a:ext>
-            </a:extLst>
-          </p:cNvPr>
-          <p:cNvSpPr txBox="1"/>
-          <p:nvPr/>
-        </p:nvSpPr>
-        <p:spPr>
-          <a:xfrm>
-            <a:off x="3638497" y="4781557"/>
-            <a:ext cx="898366" cy="246221"/>
-          </a:xfrm>
-          <a:prstGeom prst="rect">
-            <a:avLst/>
-          </a:prstGeom>
-          <a:noFill/>
-        </p:spPr>
-        <p:txBody>
-          <a:bodyPr wrap="square" rtlCol="0">
-            <a:spAutoFit/>
-          </a:bodyPr>
-          <a:lstStyle/>
-          <a:p>
-            <a:pPr marL="285750" indent="-285750">
-              <a:buFont typeface="Arial" panose="020B0604020202020204" pitchFamily="34" charset="0"/>
-              <a:buChar char="•"/>
-            </a:pPr>
-            <a:r>
-              <a:rPr lang="en-GB" sz="1000" dirty="0"/>
-              <a:t>React</a:t>
-            </a:r>
-            <a:endParaRPr lang="en-IN" sz="1000" dirty="0"/>
-          </a:p>
-        </p:txBody>
-      </p:sp>
-      <p:sp>
-        <p:nvSpPr>
-          <p:cNvPr id="17" name="TextBox 16">
-            <a:extLst>
-              <a:ext uri="{FF2B5EF4-FFF2-40B4-BE49-F238E27FC236}">
-                <a16:creationId xmlns:a16="http://schemas.microsoft.com/office/drawing/2014/main" id="{2E61EA41-6958-4FFB-BCFF-0E54D285F2CB}"/>
-              </a:ext>
-            </a:extLst>
-          </p:cNvPr>
-          <p:cNvSpPr txBox="1"/>
-          <p:nvPr/>
-        </p:nvSpPr>
-        <p:spPr>
-          <a:xfrm>
-            <a:off x="4510210" y="4775213"/>
-            <a:ext cx="726988" cy="246221"/>
-          </a:xfrm>
-          <a:prstGeom prst="rect">
-            <a:avLst/>
-          </a:prstGeom>
-          <a:noFill/>
-        </p:spPr>
-        <p:txBody>
-          <a:bodyPr wrap="square" rtlCol="0">
-            <a:spAutoFit/>
-          </a:bodyPr>
-          <a:lstStyle/>
-          <a:p>
-            <a:pPr marL="285750" indent="-285750">
-              <a:buFont typeface="Arial" panose="020B0604020202020204" pitchFamily="34" charset="0"/>
-              <a:buChar char="•"/>
-            </a:pPr>
-            <a:r>
-              <a:rPr lang="en-GB" sz="1000" dirty="0"/>
-              <a:t>Vue</a:t>
-            </a:r>
-            <a:endParaRPr lang="en-IN" sz="1000" dirty="0"/>
-          </a:p>
-        </p:txBody>
-      </p:sp>
-      <p:sp>
-        <p:nvSpPr>
-          <p:cNvPr id="18" name="TextBox 17">
-            <a:extLst>
-              <a:ext uri="{FF2B5EF4-FFF2-40B4-BE49-F238E27FC236}">
-                <a16:creationId xmlns:a16="http://schemas.microsoft.com/office/drawing/2014/main" id="{DD82628F-0FA6-4A82-9441-6577C1094E6B}"/>
-              </a:ext>
-            </a:extLst>
-          </p:cNvPr>
-          <p:cNvSpPr txBox="1"/>
-          <p:nvPr/>
-        </p:nvSpPr>
-        <p:spPr>
-          <a:xfrm>
-            <a:off x="5214673" y="4775212"/>
-            <a:ext cx="844617" cy="246221"/>
-          </a:xfrm>
-          <a:prstGeom prst="rect">
-            <a:avLst/>
-          </a:prstGeom>
-          <a:noFill/>
-        </p:spPr>
-        <p:txBody>
-          <a:bodyPr wrap="square" rtlCol="0">
-            <a:spAutoFit/>
-          </a:bodyPr>
-          <a:lstStyle/>
-          <a:p>
-            <a:pPr marL="285750" indent="-285750">
-              <a:buFont typeface="Arial" panose="020B0604020202020204" pitchFamily="34" charset="0"/>
-              <a:buChar char="•"/>
-            </a:pPr>
-            <a:r>
-              <a:rPr lang="en-GB" sz="1000" dirty="0"/>
-              <a:t>Blazer</a:t>
-            </a:r>
-            <a:endParaRPr lang="en-IN" sz="1000" dirty="0"/>
-          </a:p>
-        </p:txBody>
-      </p:sp>
-      <p:sp>
-        <p:nvSpPr>
-          <p:cNvPr id="30" name="TextBox 29">
-            <a:extLst>
-              <a:ext uri="{FF2B5EF4-FFF2-40B4-BE49-F238E27FC236}">
-                <a16:creationId xmlns:a16="http://schemas.microsoft.com/office/drawing/2014/main" id="{A377DF2C-FBD3-4402-B7A3-D5E65C25B39B}"/>
-              </a:ext>
-            </a:extLst>
-          </p:cNvPr>
-          <p:cNvSpPr txBox="1"/>
-          <p:nvPr/>
-        </p:nvSpPr>
-        <p:spPr>
-          <a:xfrm>
-            <a:off x="6031785" y="4790757"/>
-            <a:ext cx="972759" cy="246221"/>
-          </a:xfrm>
-          <a:prstGeom prst="rect">
-            <a:avLst/>
-          </a:prstGeom>
-          <a:noFill/>
-        </p:spPr>
-        <p:txBody>
-          <a:bodyPr wrap="square">
-            <a:spAutoFit/>
-          </a:bodyPr>
-          <a:lstStyle/>
-          <a:p>
-            <a:pPr marL="285750" indent="-285750">
-              <a:buFont typeface="Arial" panose="020B0604020202020204" pitchFamily="34" charset="0"/>
-              <a:buChar char="•"/>
-            </a:pPr>
-            <a:r>
-              <a:rPr lang="en-GB" sz="1000" dirty="0"/>
-              <a:t>jQuery</a:t>
-            </a:r>
-            <a:endParaRPr lang="en-IN" sz="1000" dirty="0"/>
-          </a:p>
-        </p:txBody>
-      </p:sp>
-      <p:sp>
-        <p:nvSpPr>
-          <p:cNvPr id="32" name="TextBox 31">
-            <a:extLst>
-              <a:ext uri="{FF2B5EF4-FFF2-40B4-BE49-F238E27FC236}">
-                <a16:creationId xmlns:a16="http://schemas.microsoft.com/office/drawing/2014/main" id="{143AD2FB-3113-4009-8923-600586BB8130}"/>
-              </a:ext>
-            </a:extLst>
-          </p:cNvPr>
-          <p:cNvSpPr txBox="1"/>
-          <p:nvPr/>
-        </p:nvSpPr>
-        <p:spPr>
-          <a:xfrm>
-            <a:off x="1633415" y="5042596"/>
-            <a:ext cx="1307466" cy="246221"/>
-          </a:xfrm>
-          <a:prstGeom prst="rect">
-            <a:avLst/>
-          </a:prstGeom>
-          <a:noFill/>
-        </p:spPr>
-        <p:txBody>
-          <a:bodyPr wrap="square">
-            <a:spAutoFit/>
-          </a:bodyPr>
-          <a:lstStyle/>
-          <a:p>
-            <a:pPr marL="285750" indent="-285750">
-              <a:buFont typeface="Arial" panose="020B0604020202020204" pitchFamily="34" charset="0"/>
-              <a:buChar char="•"/>
-            </a:pPr>
-            <a:r>
-              <a:rPr lang="en-GB" sz="1000" dirty="0"/>
-              <a:t>ASP.NET MVC</a:t>
-            </a:r>
-            <a:endParaRPr lang="en-IN" sz="1000" dirty="0"/>
-          </a:p>
-        </p:txBody>
-      </p:sp>
-      <p:sp>
-        <p:nvSpPr>
-          <p:cNvPr id="34" name="TextBox 33">
-            <a:extLst>
-              <a:ext uri="{FF2B5EF4-FFF2-40B4-BE49-F238E27FC236}">
-                <a16:creationId xmlns:a16="http://schemas.microsoft.com/office/drawing/2014/main" id="{A75D5821-192E-4B89-929B-4755F6B15C4E}"/>
-              </a:ext>
-            </a:extLst>
-          </p:cNvPr>
-          <p:cNvSpPr txBox="1"/>
-          <p:nvPr/>
-        </p:nvSpPr>
-        <p:spPr>
-          <a:xfrm>
-            <a:off x="2891018" y="5026382"/>
-            <a:ext cx="1470691" cy="246221"/>
-          </a:xfrm>
-          <a:prstGeom prst="rect">
-            <a:avLst/>
-          </a:prstGeom>
-          <a:noFill/>
-        </p:spPr>
-        <p:txBody>
-          <a:bodyPr wrap="square">
-            <a:spAutoFit/>
-          </a:bodyPr>
-          <a:lstStyle/>
-          <a:p>
-            <a:pPr marL="285750" indent="-285750">
-              <a:buFont typeface="Arial" panose="020B0604020202020204" pitchFamily="34" charset="0"/>
-              <a:buChar char="•"/>
-            </a:pPr>
-            <a:r>
-              <a:rPr lang="en-GB" sz="1000" dirty="0"/>
-              <a:t>ASP.NET Core</a:t>
-            </a:r>
-            <a:endParaRPr lang="en-IN" sz="1000" dirty="0"/>
-          </a:p>
-        </p:txBody>
-      </p:sp>
-      <p:sp>
-        <p:nvSpPr>
-          <p:cNvPr id="38" name="TextBox 37">
-            <a:extLst>
-              <a:ext uri="{FF2B5EF4-FFF2-40B4-BE49-F238E27FC236}">
-                <a16:creationId xmlns:a16="http://schemas.microsoft.com/office/drawing/2014/main" id="{7AF2DEF6-29FE-4745-8F9C-FC5ED43B53F5}"/>
-              </a:ext>
-            </a:extLst>
-          </p:cNvPr>
-          <p:cNvSpPr txBox="1"/>
-          <p:nvPr/>
-        </p:nvSpPr>
-        <p:spPr>
-          <a:xfrm>
-            <a:off x="4173231" y="5030677"/>
-            <a:ext cx="1660187" cy="246221"/>
-          </a:xfrm>
-          <a:prstGeom prst="rect">
-            <a:avLst/>
-          </a:prstGeom>
-          <a:noFill/>
-        </p:spPr>
-        <p:txBody>
-          <a:bodyPr wrap="square">
-            <a:spAutoFit/>
-          </a:bodyPr>
-          <a:lstStyle/>
-          <a:p>
-            <a:pPr marL="285750" indent="-285750">
-              <a:buFont typeface="Arial" panose="020B0604020202020204" pitchFamily="34" charset="0"/>
-              <a:buChar char="•"/>
-            </a:pPr>
-            <a:r>
-              <a:rPr lang="en-GB" sz="1000" dirty="0"/>
-              <a:t>ASP.NET WEB Forms</a:t>
-            </a:r>
-            <a:endParaRPr lang="en-IN" sz="1000" dirty="0"/>
-          </a:p>
-        </p:txBody>
-      </p:sp>
-      <p:sp>
-        <p:nvSpPr>
-          <p:cNvPr id="41" name="TextBox 40">
-            <a:extLst>
-              <a:ext uri="{FF2B5EF4-FFF2-40B4-BE49-F238E27FC236}">
-                <a16:creationId xmlns:a16="http://schemas.microsoft.com/office/drawing/2014/main" id="{BDE16D55-A48A-4E7C-B8F4-2B06184A9B70}"/>
-              </a:ext>
-            </a:extLst>
-          </p:cNvPr>
-          <p:cNvSpPr txBox="1"/>
-          <p:nvPr/>
-        </p:nvSpPr>
-        <p:spPr>
-          <a:xfrm>
-            <a:off x="1633581" y="5600231"/>
-            <a:ext cx="1088133" cy="246221"/>
-          </a:xfrm>
-          <a:prstGeom prst="rect">
-            <a:avLst/>
-          </a:prstGeom>
-          <a:noFill/>
-        </p:spPr>
-        <p:txBody>
-          <a:bodyPr wrap="square">
-            <a:spAutoFit/>
-          </a:bodyPr>
-          <a:lstStyle/>
-          <a:p>
-            <a:pPr marL="285750" indent="-285750">
-              <a:buFont typeface="Arial" panose="020B0604020202020204" pitchFamily="34" charset="0"/>
-              <a:buChar char="•"/>
-            </a:pPr>
-            <a:r>
-              <a:rPr lang="en-GB" sz="1000" dirty="0"/>
-              <a:t>WinForms</a:t>
-            </a:r>
-            <a:endParaRPr lang="en-IN" sz="1000" dirty="0"/>
-          </a:p>
-        </p:txBody>
-      </p:sp>
-      <p:sp>
-        <p:nvSpPr>
-          <p:cNvPr id="43" name="TextBox 42">
-            <a:extLst>
-              <a:ext uri="{FF2B5EF4-FFF2-40B4-BE49-F238E27FC236}">
-                <a16:creationId xmlns:a16="http://schemas.microsoft.com/office/drawing/2014/main" id="{48578D65-15E3-4F8F-91C8-994D4C7870DF}"/>
-              </a:ext>
-            </a:extLst>
-          </p:cNvPr>
-          <p:cNvSpPr txBox="1"/>
-          <p:nvPr/>
-        </p:nvSpPr>
-        <p:spPr>
-          <a:xfrm>
-            <a:off x="2671482" y="5602465"/>
-            <a:ext cx="1307458" cy="246221"/>
-          </a:xfrm>
-          <a:prstGeom prst="rect">
-            <a:avLst/>
-          </a:prstGeom>
-          <a:noFill/>
-        </p:spPr>
-        <p:txBody>
-          <a:bodyPr wrap="square">
-            <a:spAutoFit/>
-          </a:bodyPr>
-          <a:lstStyle/>
-          <a:p>
-            <a:pPr marL="285750" indent="-285750">
-              <a:buFont typeface="Arial" panose="020B0604020202020204" pitchFamily="34" charset="0"/>
-              <a:buChar char="•"/>
-            </a:pPr>
-            <a:r>
-              <a:rPr lang="en-GB" sz="1000" dirty="0"/>
-              <a:t>.NET MAUI</a:t>
-            </a:r>
-            <a:endParaRPr lang="en-IN" sz="1000" dirty="0"/>
-          </a:p>
-        </p:txBody>
-      </p:sp>
-      <p:sp>
-        <p:nvSpPr>
-          <p:cNvPr id="49" name="TextBox 48">
-            <a:extLst>
-              <a:ext uri="{FF2B5EF4-FFF2-40B4-BE49-F238E27FC236}">
-                <a16:creationId xmlns:a16="http://schemas.microsoft.com/office/drawing/2014/main" id="{D20EE3F4-23D9-4B4E-9352-74A214A7D025}"/>
-              </a:ext>
-            </a:extLst>
-          </p:cNvPr>
-          <p:cNvSpPr txBox="1"/>
-          <p:nvPr/>
-        </p:nvSpPr>
-        <p:spPr>
-          <a:xfrm>
-            <a:off x="3818116" y="5606760"/>
-            <a:ext cx="1117266" cy="246221"/>
-          </a:xfrm>
-          <a:prstGeom prst="rect">
-            <a:avLst/>
-          </a:prstGeom>
-          <a:noFill/>
-        </p:spPr>
-        <p:txBody>
-          <a:bodyPr wrap="square">
-            <a:spAutoFit/>
-          </a:bodyPr>
-          <a:lstStyle/>
-          <a:p>
-            <a:pPr marL="285750" indent="-285750">
-              <a:buFont typeface="Arial" panose="020B0604020202020204" pitchFamily="34" charset="0"/>
-              <a:buChar char="•"/>
-            </a:pPr>
-            <a:r>
-              <a:rPr lang="en-GB" sz="1000" dirty="0"/>
-              <a:t>Xamarin</a:t>
-            </a:r>
-            <a:endParaRPr lang="en-IN" sz="1000" dirty="0"/>
-          </a:p>
-        </p:txBody>
-      </p:sp>
-      <p:sp>
-        <p:nvSpPr>
-          <p:cNvPr id="52" name="TextBox 51">
-            <a:extLst>
-              <a:ext uri="{FF2B5EF4-FFF2-40B4-BE49-F238E27FC236}">
-                <a16:creationId xmlns:a16="http://schemas.microsoft.com/office/drawing/2014/main" id="{6FC62C69-5174-45C6-8982-5E8A12D8FC8F}"/>
-              </a:ext>
-            </a:extLst>
-          </p:cNvPr>
-          <p:cNvSpPr txBox="1"/>
-          <p:nvPr/>
-        </p:nvSpPr>
-        <p:spPr>
-          <a:xfrm>
-            <a:off x="2742857" y="6089828"/>
-            <a:ext cx="1117266" cy="246221"/>
-          </a:xfrm>
-          <a:prstGeom prst="rect">
-            <a:avLst/>
-          </a:prstGeom>
-          <a:noFill/>
-        </p:spPr>
-        <p:txBody>
-          <a:bodyPr wrap="square">
-            <a:spAutoFit/>
-          </a:bodyPr>
-          <a:lstStyle/>
-          <a:p>
-            <a:pPr marL="285750" indent="-285750">
-              <a:buFont typeface="Arial" panose="020B0604020202020204" pitchFamily="34" charset="0"/>
-              <a:buChar char="•"/>
-            </a:pPr>
-            <a:r>
-              <a:rPr lang="en-GB" sz="1000" dirty="0"/>
-              <a:t>Xamarin</a:t>
-            </a:r>
-            <a:endParaRPr lang="en-IN" sz="1000" dirty="0"/>
-          </a:p>
-        </p:txBody>
-      </p:sp>
-      <p:pic>
-        <p:nvPicPr>
-          <p:cNvPr id="5" name="Picture 2" descr="Syncfusion List View">
-            <a:extLst>
-              <a:ext uri="{FF2B5EF4-FFF2-40B4-BE49-F238E27FC236}">
-                <a16:creationId xmlns:a16="http://schemas.microsoft.com/office/drawing/2014/main" id="{61499166-9BEE-4C30-9CAF-933B58585830}"/>
-              </a:ext>
-            </a:extLst>
-          </p:cNvPr>
-          <p:cNvPicPr>
-            <a:picLocks noChangeAspect="1" noChangeArrowheads="1"/>
-          </p:cNvPicPr>
-          <p:nvPr/>
-        </p:nvPicPr>
-        <p:blipFill>
-          <a:blip r:embed="rId5">
-            <a:extLst>
-              <a:ext uri="{28A0092B-C50C-407E-A947-70E740481C1C}">
-                <a14:useLocalDpi xmlns:a14="http://schemas.microsoft.com/office/drawing/2010/main" val="0"/>
-              </a:ext>
-            </a:extLst>
-          </a:blip>
-          <a:srcRect/>
-          <a:stretch>
-            <a:fillRect/>
-          </a:stretch>
-        </p:blipFill>
-        <p:spPr bwMode="auto">
-          <a:xfrm>
-            <a:off x="6954804" y="229737"/>
-            <a:ext cx="4927405" cy="4812859"/>
-          </a:xfrm>
-          <a:prstGeom prst="rect">
-            <a:avLst/>
-          </a:prstGeom>
-          <a:gradFill>
-            <a:gsLst>
-              <a:gs pos="0">
-                <a:schemeClr val="accent1">
-                  <a:lumMod val="5000"/>
-                  <a:lumOff val="95000"/>
-                </a:schemeClr>
-              </a:gs>
-              <a:gs pos="74000">
-                <a:schemeClr val="accent1">
-                  <a:lumMod val="45000"/>
-                  <a:lumOff val="55000"/>
-                </a:schemeClr>
-              </a:gs>
-              <a:gs pos="83000">
-                <a:schemeClr val="accent1">
-                  <a:lumMod val="45000"/>
-                  <a:lumOff val="55000"/>
-                </a:schemeClr>
-              </a:gs>
-              <a:gs pos="100000">
-                <a:schemeClr val="accent1">
-                  <a:lumMod val="30000"/>
-                  <a:lumOff val="70000"/>
-                </a:schemeClr>
-              </a:gs>
-            </a:gsLst>
-            <a:lin ang="5400000" scaled="1"/>
-          </a:gradFill>
-        </p:spPr>
-      </p:pic>
-      <p:sp>
-        <p:nvSpPr>
-          <p:cNvPr id="33" name="TextBox 32">
-            <a:extLst>
-              <a:ext uri="{FF2B5EF4-FFF2-40B4-BE49-F238E27FC236}">
-                <a16:creationId xmlns:a16="http://schemas.microsoft.com/office/drawing/2014/main" id="{48FCEF42-1786-4CFC-8042-53C6FFAFE3DF}"/>
-              </a:ext>
-            </a:extLst>
-          </p:cNvPr>
-          <p:cNvSpPr txBox="1"/>
-          <p:nvPr/>
-        </p:nvSpPr>
-        <p:spPr>
-          <a:xfrm>
-            <a:off x="3715623" y="6089828"/>
-            <a:ext cx="1115439" cy="246221"/>
-          </a:xfrm>
-          <a:prstGeom prst="rect">
-            <a:avLst/>
-          </a:prstGeom>
-          <a:noFill/>
-        </p:spPr>
-        <p:txBody>
-          <a:bodyPr wrap="square" rtlCol="0">
-            <a:spAutoFit/>
-          </a:bodyPr>
-          <a:lstStyle/>
-          <a:p>
-            <a:pPr marL="285750" indent="-285750">
-              <a:buFont typeface="Arial" panose="020B0604020202020204" pitchFamily="34" charset="0"/>
-              <a:buChar char="•"/>
-            </a:pPr>
-            <a:r>
-              <a:rPr lang="en-GB" sz="1000" dirty="0"/>
-              <a:t>JavaScript</a:t>
-            </a:r>
-            <a:endParaRPr lang="en-IN" sz="1000" dirty="0"/>
-          </a:p>
-        </p:txBody>
-      </p:sp>
-      <p:sp>
-        <p:nvSpPr>
-          <p:cNvPr id="36" name="TextBox 35">
-            <a:extLst>
-              <a:ext uri="{FF2B5EF4-FFF2-40B4-BE49-F238E27FC236}">
-                <a16:creationId xmlns:a16="http://schemas.microsoft.com/office/drawing/2014/main" id="{442AC3C3-ADC5-42EB-BB27-8091EF307FC7}"/>
-              </a:ext>
-            </a:extLst>
-          </p:cNvPr>
-          <p:cNvSpPr txBox="1"/>
-          <p:nvPr/>
-        </p:nvSpPr>
-        <p:spPr>
-          <a:xfrm>
-            <a:off x="1633415" y="6080157"/>
-            <a:ext cx="1307458" cy="246221"/>
-          </a:xfrm>
-          <a:prstGeom prst="rect">
-            <a:avLst/>
-          </a:prstGeom>
-          <a:noFill/>
-        </p:spPr>
-        <p:txBody>
-          <a:bodyPr wrap="square">
-            <a:spAutoFit/>
-          </a:bodyPr>
-          <a:lstStyle/>
-          <a:p>
-            <a:pPr marL="285750" indent="-285750">
-              <a:buFont typeface="Arial" panose="020B0604020202020204" pitchFamily="34" charset="0"/>
-              <a:buChar char="•"/>
-            </a:pPr>
-            <a:r>
-              <a:rPr lang="en-GB" sz="1000" dirty="0"/>
-              <a:t>.NET MAUI</a:t>
-            </a:r>
-            <a:endParaRPr lang="en-IN" sz="1000" dirty="0"/>
-          </a:p>
-        </p:txBody>
-      </p:sp>
-    </p:spTree>
-    <p:extLst>
-      <p:ext uri="{BB962C8B-B14F-4D97-AF65-F5344CB8AC3E}">
-        <p14:creationId xmlns:p14="http://schemas.microsoft.com/office/powerpoint/2010/main" val="2473510580"/>
-      </p:ext>
-    </p:extLst>
-  </p:cSld>
-  <p:clrMapOvr>
-    <a:masterClrMapping/>
-  </p:clrMapOvr>
-  <p:transition spd="slow">
-    <p:push dir="u"/>
   </p:transition>
 </p:sld>
 </file>

--- a/Naveenkumar Mahalingam_PowerPoint Assignment.pptx
+++ b/Naveenkumar Mahalingam_PowerPoint Assignment.pptx
@@ -8,7 +8,6 @@
     <p:sldId id="256" r:id="rId2"/>
     <p:sldId id="257" r:id="rId3"/>
     <p:sldId id="258" r:id="rId4"/>
-    <p:sldId id="260" r:id="rId5"/>
   </p:sldIdLst>
   <p:sldSz cx="12192000" cy="6858000"/>
   <p:notesSz cx="6858000" cy="9144000"/>
@@ -210,7 +209,7 @@
           <a:effectLst/>
           <a:extLst>
             <a:ext uri="{91240B29-F687-4f45-9708-019B960494DF}">
-              <a14:hiddenLine xmlns="" xmlns:a14="http://schemas.microsoft.com/office/drawing/2010/main" w="9525">
+              <a14:hiddenLine xmlns:a14="http://schemas.microsoft.com/office/drawing/2010/main" xmlns="" w="9525">
                 <a:solidFill>
                   <a:srgbClr val="000000"/>
                 </a:solidFill>
@@ -1732,7 +1731,7 @@
           <a:ln/>
           <a:extLst>
             <a:ext uri="{91240B29-F687-4f45-9708-019B960494DF}">
-              <a14:hiddenLine xmlns="" xmlns:a14="http://schemas.microsoft.com/office/drawing/2010/main" w="9525">
+              <a14:hiddenLine xmlns:a14="http://schemas.microsoft.com/office/drawing/2010/main" xmlns="" w="9525">
                 <a:solidFill>
                   <a:srgbClr val="000000"/>
                 </a:solidFill>
@@ -2007,7 +2006,7 @@
           <a:ln/>
           <a:extLst>
             <a:ext uri="{91240B29-F687-4f45-9708-019B960494DF}">
-              <a14:hiddenLine xmlns="" xmlns:a14="http://schemas.microsoft.com/office/drawing/2010/main" w="9525">
+              <a14:hiddenLine xmlns:a14="http://schemas.microsoft.com/office/drawing/2010/main" xmlns="" w="9525">
                 <a:solidFill>
                   <a:srgbClr val="000000"/>
                 </a:solidFill>
@@ -2290,7 +2289,7 @@
           <a:ln/>
           <a:extLst>
             <a:ext uri="{91240B29-F687-4f45-9708-019B960494DF}">
-              <a14:hiddenLine xmlns="" xmlns:a14="http://schemas.microsoft.com/office/drawing/2010/main" w="9525">
+              <a14:hiddenLine xmlns:a14="http://schemas.microsoft.com/office/drawing/2010/main" xmlns="" w="9525">
                 <a:solidFill>
                   <a:srgbClr val="000000"/>
                 </a:solidFill>
@@ -2916,7 +2915,7 @@
           <a:ln/>
           <a:extLst>
             <a:ext uri="{91240B29-F687-4f45-9708-019B960494DF}">
-              <a14:hiddenLine xmlns="" xmlns:a14="http://schemas.microsoft.com/office/drawing/2010/main" w="9525">
+              <a14:hiddenLine xmlns:a14="http://schemas.microsoft.com/office/drawing/2010/main" xmlns="" w="9525">
                 <a:solidFill>
                   <a:srgbClr val="000000"/>
                 </a:solidFill>
@@ -3255,7 +3254,7 @@
           <a:ln/>
           <a:extLst>
             <a:ext uri="{91240B29-F687-4f45-9708-019B960494DF}">
-              <a14:hiddenLine xmlns="" xmlns:a14="http://schemas.microsoft.com/office/drawing/2010/main" w="9525">
+              <a14:hiddenLine xmlns:a14="http://schemas.microsoft.com/office/drawing/2010/main" xmlns="" w="9525">
                 <a:solidFill>
                   <a:srgbClr val="000000"/>
                 </a:solidFill>
@@ -3732,7 +3731,7 @@
           <a:ln/>
           <a:extLst>
             <a:ext uri="{91240B29-F687-4f45-9708-019B960494DF}">
-              <a14:hiddenLine xmlns="" xmlns:a14="http://schemas.microsoft.com/office/drawing/2010/main" w="9525">
+              <a14:hiddenLine xmlns:a14="http://schemas.microsoft.com/office/drawing/2010/main" xmlns="" w="9525">
                 <a:solidFill>
                   <a:srgbClr val="000000"/>
                 </a:solidFill>
@@ -4161,7 +4160,7 @@
           <a:ln/>
           <a:extLst>
             <a:ext uri="{91240B29-F687-4f45-9708-019B960494DF}">
-              <a14:hiddenLine xmlns="" xmlns:a14="http://schemas.microsoft.com/office/drawing/2010/main" w="9525">
+              <a14:hiddenLine xmlns:a14="http://schemas.microsoft.com/office/drawing/2010/main" xmlns="" w="9525">
                 <a:solidFill>
                   <a:srgbClr val="000000"/>
                 </a:solidFill>
@@ -5494,7 +5493,7 @@
           <a:ln/>
           <a:extLst>
             <a:ext uri="{91240B29-F687-4f45-9708-019B960494DF}">
-              <a14:hiddenLine xmlns:a14="http://schemas.microsoft.com/office/drawing/2010/main" xmlns:p14="http://schemas.microsoft.com/office/powerpoint/2010/main" xmlns:a16="http://schemas.microsoft.com/office/drawing/2014/main" xmlns="" w="9525">
+              <a14:hiddenLine xmlns="" xmlns:a16="http://schemas.microsoft.com/office/drawing/2014/main" xmlns:p14="http://schemas.microsoft.com/office/powerpoint/2010/main" xmlns:a14="http://schemas.microsoft.com/office/drawing/2010/main" w="9525">
                 <a:solidFill>
                   <a:srgbClr val="000000"/>
                 </a:solidFill>
@@ -7976,1530 +7975,6 @@
   </p:clrMapOvr>
   <p:transition spd="slow">
     <p:push dir="u"/>
-  </p:transition>
-</p:sld>
-</file>
-
-<file path=ppt/slides/slide4.xml><?xml version="1.0" encoding="utf-8"?>
-<p:sld xmlns:a="http://schemas.openxmlformats.org/drawingml/2006/main" xmlns:r="http://schemas.openxmlformats.org/officeDocument/2006/relationships" xmlns:p="http://schemas.openxmlformats.org/presentationml/2006/main">
-  <p:cSld>
-    <p:bg>
-      <p:bgPr>
-        <a:solidFill>
-          <a:schemeClr val="bg2"/>
-        </a:solidFill>
-        <a:effectLst/>
-      </p:bgPr>
-    </p:bg>
-    <p:spTree>
-      <p:nvGrpSpPr>
-        <p:cNvPr id="1" name=""/>
-        <p:cNvGrpSpPr/>
-        <p:nvPr/>
-      </p:nvGrpSpPr>
-      <p:grpSpPr>
-        <a:xfrm>
-          <a:off x="0" y="0"/>
-          <a:ext cx="0" cy="0"/>
-          <a:chOff x="0" y="0"/>
-          <a:chExt cx="0" cy="0"/>
-        </a:xfrm>
-      </p:grpSpPr>
-      <p:sp>
-        <p:nvSpPr>
-          <p:cNvPr id="9" name="Rectangle: Rounded Corners 8">
-            <a:extLst>
-              <a:ext uri="{FF2B5EF4-FFF2-40B4-BE49-F238E27FC236}">
-                <a16:creationId xmlns:a16="http://schemas.microsoft.com/office/drawing/2014/main" id="{BC7BE17E-32D5-4C5F-9031-38FD6D51B1F8}"/>
-              </a:ext>
-            </a:extLst>
-          </p:cNvPr>
-          <p:cNvSpPr/>
-          <p:nvPr/>
-        </p:nvSpPr>
-        <p:spPr>
-          <a:xfrm>
-            <a:off x="923993" y="6263325"/>
-            <a:ext cx="191828" cy="246220"/>
-          </a:xfrm>
-          <a:prstGeom prst="roundRect">
-            <a:avLst/>
-          </a:prstGeom>
-        </p:spPr>
-        <p:style>
-          <a:lnRef idx="2">
-            <a:schemeClr val="accent1">
-              <a:shade val="50000"/>
-            </a:schemeClr>
-          </a:lnRef>
-          <a:fillRef idx="1">
-            <a:schemeClr val="accent1"/>
-          </a:fillRef>
-          <a:effectRef idx="0">
-            <a:schemeClr val="accent1"/>
-          </a:effectRef>
-          <a:fontRef idx="minor">
-            <a:schemeClr val="lt1"/>
-          </a:fontRef>
-        </p:style>
-        <p:txBody>
-          <a:bodyPr rtlCol="0" anchor="ctr"/>
-          <a:lstStyle/>
-          <a:p>
-            <a:pPr algn="ctr"/>
-            <a:endParaRPr lang="en-IN"/>
-          </a:p>
-        </p:txBody>
-      </p:sp>
-      <p:sp>
-        <p:nvSpPr>
-          <p:cNvPr id="7" name="Rectangle: Rounded Corners 6">
-            <a:extLst>
-              <a:ext uri="{FF2B5EF4-FFF2-40B4-BE49-F238E27FC236}">
-                <a16:creationId xmlns:a16="http://schemas.microsoft.com/office/drawing/2014/main" id="{ED2D0802-A334-4F8D-BBC6-E628A1C5C796}"/>
-              </a:ext>
-            </a:extLst>
-          </p:cNvPr>
-          <p:cNvSpPr/>
-          <p:nvPr/>
-        </p:nvSpPr>
-        <p:spPr>
-          <a:xfrm>
-            <a:off x="885695" y="5719728"/>
-            <a:ext cx="264025" cy="257584"/>
-          </a:xfrm>
-          <a:prstGeom prst="roundRect">
-            <a:avLst/>
-          </a:prstGeom>
-        </p:spPr>
-        <p:style>
-          <a:lnRef idx="2">
-            <a:schemeClr val="accent1">
-              <a:shade val="50000"/>
-            </a:schemeClr>
-          </a:lnRef>
-          <a:fillRef idx="1">
-            <a:schemeClr val="accent1"/>
-          </a:fillRef>
-          <a:effectRef idx="0">
-            <a:schemeClr val="accent1"/>
-          </a:effectRef>
-          <a:fontRef idx="minor">
-            <a:schemeClr val="lt1"/>
-          </a:fontRef>
-        </p:style>
-        <p:txBody>
-          <a:bodyPr rtlCol="0" anchor="ctr"/>
-          <a:lstStyle/>
-          <a:p>
-            <a:pPr algn="ctr"/>
-            <a:endParaRPr lang="en-IN"/>
-          </a:p>
-        </p:txBody>
-      </p:sp>
-      <p:sp>
-        <p:nvSpPr>
-          <p:cNvPr id="5" name="Rectangle: Rounded Corners 4">
-            <a:extLst>
-              <a:ext uri="{FF2B5EF4-FFF2-40B4-BE49-F238E27FC236}">
-                <a16:creationId xmlns:a16="http://schemas.microsoft.com/office/drawing/2014/main" id="{5D7D6C7E-EFBF-4292-A178-798913E50B73}"/>
-              </a:ext>
-            </a:extLst>
-          </p:cNvPr>
-          <p:cNvSpPr/>
-          <p:nvPr/>
-        </p:nvSpPr>
-        <p:spPr>
-          <a:xfrm>
-            <a:off x="878896" y="4885475"/>
-            <a:ext cx="277473" cy="319513"/>
-          </a:xfrm>
-          <a:prstGeom prst="roundRect">
-            <a:avLst/>
-          </a:prstGeom>
-        </p:spPr>
-        <p:style>
-          <a:lnRef idx="2">
-            <a:schemeClr val="accent1">
-              <a:shade val="50000"/>
-            </a:schemeClr>
-          </a:lnRef>
-          <a:fillRef idx="1">
-            <a:schemeClr val="accent1"/>
-          </a:fillRef>
-          <a:effectRef idx="0">
-            <a:schemeClr val="accent1"/>
-          </a:effectRef>
-          <a:fontRef idx="minor">
-            <a:schemeClr val="lt1"/>
-          </a:fontRef>
-        </p:style>
-        <p:txBody>
-          <a:bodyPr rtlCol="0" anchor="ctr"/>
-          <a:lstStyle/>
-          <a:p>
-            <a:pPr algn="ctr"/>
-            <a:endParaRPr lang="en-IN"/>
-          </a:p>
-        </p:txBody>
-      </p:sp>
-      <p:sp>
-        <p:nvSpPr>
-          <p:cNvPr id="2" name="TextBox 1">
-            <a:extLst>
-              <a:ext uri="{FF2B5EF4-FFF2-40B4-BE49-F238E27FC236}">
-                <a16:creationId xmlns:a16="http://schemas.microsoft.com/office/drawing/2014/main" id="{22A25770-3DA7-413A-BA5E-513C5BC4BB0D}"/>
-              </a:ext>
-            </a:extLst>
-          </p:cNvPr>
-          <p:cNvSpPr txBox="1"/>
-          <p:nvPr/>
-        </p:nvSpPr>
-        <p:spPr>
-          <a:xfrm>
-            <a:off x="610071" y="1009314"/>
-            <a:ext cx="2374232" cy="584775"/>
-          </a:xfrm>
-          <a:prstGeom prst="rect">
-            <a:avLst/>
-          </a:prstGeom>
-          <a:noFill/>
-        </p:spPr>
-        <p:txBody>
-          <a:bodyPr wrap="square" rtlCol="0">
-            <a:spAutoFit/>
-          </a:bodyPr>
-          <a:lstStyle/>
-          <a:p>
-            <a:r>
-              <a:rPr lang="en-GB" sz="3200" b="1" dirty="0">
-                <a:solidFill>
-                  <a:schemeClr val="accent1">
-                    <a:lumMod val="40000"/>
-                    <a:lumOff val="60000"/>
-                  </a:schemeClr>
-                </a:solidFill>
-                <a:latin typeface="Open Sans" panose="020B0606030504020204" pitchFamily="34" charset="0"/>
-              </a:rPr>
-              <a:t>C</a:t>
-            </a:r>
-            <a:r>
-              <a:rPr lang="en-IN" sz="3200" b="1" dirty="0">
-                <a:solidFill>
-                  <a:schemeClr val="accent1">
-                    <a:lumMod val="40000"/>
-                    <a:lumOff val="60000"/>
-                  </a:schemeClr>
-                </a:solidFill>
-                <a:latin typeface="Open Sans" panose="020B0606030504020204" pitchFamily="34" charset="0"/>
-              </a:rPr>
-              <a:t>harts</a:t>
-            </a:r>
-            <a:endParaRPr lang="en-IN" sz="3200" dirty="0">
-              <a:solidFill>
-                <a:schemeClr val="accent1">
-                  <a:lumMod val="40000"/>
-                  <a:lumOff val="60000"/>
-                </a:schemeClr>
-              </a:solidFill>
-            </a:endParaRPr>
-          </a:p>
-        </p:txBody>
-      </p:sp>
-      <p:sp>
-        <p:nvSpPr>
-          <p:cNvPr id="3" name="TextBox 2">
-            <a:extLst>
-              <a:ext uri="{FF2B5EF4-FFF2-40B4-BE49-F238E27FC236}">
-                <a16:creationId xmlns:a16="http://schemas.microsoft.com/office/drawing/2014/main" id="{983CC60F-FFB0-41AA-AEC8-68FDB9F5F0B5}"/>
-              </a:ext>
-            </a:extLst>
-          </p:cNvPr>
-          <p:cNvSpPr txBox="1"/>
-          <p:nvPr/>
-        </p:nvSpPr>
-        <p:spPr>
-          <a:xfrm>
-            <a:off x="610071" y="1839232"/>
-            <a:ext cx="5341354" cy="1323439"/>
-          </a:xfrm>
-          <a:prstGeom prst="rect">
-            <a:avLst/>
-          </a:prstGeom>
-          <a:noFill/>
-        </p:spPr>
-        <p:txBody>
-          <a:bodyPr wrap="square" rtlCol="0">
-            <a:spAutoFit/>
-          </a:bodyPr>
-          <a:lstStyle/>
-          <a:p>
-            <a:r>
-              <a:rPr lang="en-GB" sz="1600" b="0" i="0" dirty="0">
-                <a:solidFill>
-                  <a:schemeClr val="tx1">
-                    <a:lumMod val="95000"/>
-                  </a:schemeClr>
-                </a:solidFill>
-                <a:effectLst/>
-                <a:latin typeface="Open Sans" panose="020B0606030504020204" pitchFamily="34" charset="0"/>
-                <a:ea typeface="Open Sans" panose="020B0606030504020204" pitchFamily="34" charset="0"/>
-                <a:cs typeface="Open Sans" panose="020B0606030504020204" pitchFamily="34" charset="0"/>
-              </a:rPr>
-              <a:t>The Charts control can plot a wide range of chart types, ranging from line charts to specialized financial charts. Its rich feature set includes functionalities like data binding, multiple axes, legends, animation, data labels, annotations, trackballs, tooltips, and zooming.</a:t>
-            </a:r>
-            <a:endParaRPr lang="en-IN" sz="1600" dirty="0">
-              <a:solidFill>
-                <a:schemeClr val="tx1">
-                  <a:lumMod val="95000"/>
-                </a:schemeClr>
-              </a:solidFill>
-              <a:latin typeface="Open Sans" panose="020B0606030504020204" pitchFamily="34" charset="0"/>
-              <a:ea typeface="Open Sans" panose="020B0606030504020204" pitchFamily="34" charset="0"/>
-              <a:cs typeface="Open Sans" panose="020B0606030504020204" pitchFamily="34" charset="0"/>
-            </a:endParaRPr>
-          </a:p>
-        </p:txBody>
-      </p:sp>
-      <p:sp>
-        <p:nvSpPr>
-          <p:cNvPr id="4" name="TextBox 3">
-            <a:extLst>
-              <a:ext uri="{FF2B5EF4-FFF2-40B4-BE49-F238E27FC236}">
-                <a16:creationId xmlns:a16="http://schemas.microsoft.com/office/drawing/2014/main" id="{198BBD6A-304B-4CFD-A987-9B87A6243A07}"/>
-              </a:ext>
-            </a:extLst>
-          </p:cNvPr>
-          <p:cNvSpPr txBox="1"/>
-          <p:nvPr/>
-        </p:nvSpPr>
-        <p:spPr>
-          <a:xfrm>
-            <a:off x="610071" y="4218042"/>
-            <a:ext cx="2983832" cy="369332"/>
-          </a:xfrm>
-          <a:prstGeom prst="rect">
-            <a:avLst/>
-          </a:prstGeom>
-          <a:noFill/>
-        </p:spPr>
-        <p:txBody>
-          <a:bodyPr wrap="square" rtlCol="0">
-            <a:spAutoFit/>
-          </a:bodyPr>
-          <a:lstStyle/>
-          <a:p>
-            <a:r>
-              <a:rPr lang="en-IN" b="1" i="0" dirty="0">
-                <a:solidFill>
-                  <a:schemeClr val="accent1">
-                    <a:lumMod val="40000"/>
-                    <a:lumOff val="60000"/>
-                  </a:schemeClr>
-                </a:solidFill>
-                <a:effectLst/>
-                <a:latin typeface="Open Sans" panose="020B0606030504020204" pitchFamily="34" charset="0"/>
-              </a:rPr>
-              <a:t>SUPPORTED PLATFORMS</a:t>
-            </a:r>
-            <a:endParaRPr lang="en-IN" dirty="0">
-              <a:solidFill>
-                <a:schemeClr val="accent1">
-                  <a:lumMod val="40000"/>
-                  <a:lumOff val="60000"/>
-                </a:schemeClr>
-              </a:solidFill>
-            </a:endParaRPr>
-          </a:p>
-        </p:txBody>
-      </p:sp>
-      <p:cxnSp>
-        <p:nvCxnSpPr>
-          <p:cNvPr id="6" name="Straight Connector 5">
-            <a:extLst>
-              <a:ext uri="{FF2B5EF4-FFF2-40B4-BE49-F238E27FC236}">
-                <a16:creationId xmlns:a16="http://schemas.microsoft.com/office/drawing/2014/main" id="{C5562311-70FE-4D02-87DF-F2FAD14020CA}"/>
-              </a:ext>
-            </a:extLst>
-          </p:cNvPr>
-          <p:cNvCxnSpPr>
-            <a:cxnSpLocks/>
-          </p:cNvCxnSpPr>
-          <p:nvPr/>
-        </p:nvCxnSpPr>
-        <p:spPr>
-          <a:xfrm>
-            <a:off x="1413024" y="4775212"/>
-            <a:ext cx="4710" cy="668649"/>
-          </a:xfrm>
-          <a:prstGeom prst="line">
-            <a:avLst/>
-          </a:prstGeom>
-        </p:spPr>
-        <p:style>
-          <a:lnRef idx="1">
-            <a:schemeClr val="accent1"/>
-          </a:lnRef>
-          <a:fillRef idx="0">
-            <a:schemeClr val="accent1"/>
-          </a:fillRef>
-          <a:effectRef idx="0">
-            <a:schemeClr val="accent1"/>
-          </a:effectRef>
-          <a:fontRef idx="minor">
-            <a:schemeClr val="tx1"/>
-          </a:fontRef>
-        </p:style>
-      </p:cxnSp>
-      <p:cxnSp>
-        <p:nvCxnSpPr>
-          <p:cNvPr id="8" name="Straight Connector 7">
-            <a:extLst>
-              <a:ext uri="{FF2B5EF4-FFF2-40B4-BE49-F238E27FC236}">
-                <a16:creationId xmlns:a16="http://schemas.microsoft.com/office/drawing/2014/main" id="{FC342BA7-AB5A-4017-A0C3-784A30197848}"/>
-              </a:ext>
-            </a:extLst>
-          </p:cNvPr>
-          <p:cNvCxnSpPr>
-            <a:cxnSpLocks/>
-          </p:cNvCxnSpPr>
-          <p:nvPr/>
-        </p:nvCxnSpPr>
-        <p:spPr>
-          <a:xfrm>
-            <a:off x="1413024" y="5662576"/>
-            <a:ext cx="9151" cy="415495"/>
-          </a:xfrm>
-          <a:prstGeom prst="line">
-            <a:avLst/>
-          </a:prstGeom>
-        </p:spPr>
-        <p:style>
-          <a:lnRef idx="1">
-            <a:schemeClr val="accent1"/>
-          </a:lnRef>
-          <a:fillRef idx="0">
-            <a:schemeClr val="accent1"/>
-          </a:fillRef>
-          <a:effectRef idx="0">
-            <a:schemeClr val="accent1"/>
-          </a:effectRef>
-          <a:fontRef idx="minor">
-            <a:schemeClr val="tx1"/>
-          </a:fontRef>
-        </p:style>
-      </p:cxnSp>
-      <p:cxnSp>
-        <p:nvCxnSpPr>
-          <p:cNvPr id="11" name="Straight Connector 10">
-            <a:extLst>
-              <a:ext uri="{FF2B5EF4-FFF2-40B4-BE49-F238E27FC236}">
-                <a16:creationId xmlns:a16="http://schemas.microsoft.com/office/drawing/2014/main" id="{1D9DEEC7-6637-4954-BE71-F1EB0F7CB255}"/>
-              </a:ext>
-            </a:extLst>
-          </p:cNvPr>
-          <p:cNvCxnSpPr>
-            <a:cxnSpLocks/>
-          </p:cNvCxnSpPr>
-          <p:nvPr/>
-        </p:nvCxnSpPr>
-        <p:spPr>
-          <a:xfrm>
-            <a:off x="1422175" y="6284991"/>
-            <a:ext cx="0" cy="210104"/>
-          </a:xfrm>
-          <a:prstGeom prst="line">
-            <a:avLst/>
-          </a:prstGeom>
-        </p:spPr>
-        <p:style>
-          <a:lnRef idx="1">
-            <a:schemeClr val="accent1"/>
-          </a:lnRef>
-          <a:fillRef idx="0">
-            <a:schemeClr val="accent1"/>
-          </a:fillRef>
-          <a:effectRef idx="0">
-            <a:schemeClr val="accent1"/>
-          </a:effectRef>
-          <a:fontRef idx="minor">
-            <a:schemeClr val="tx1"/>
-          </a:fontRef>
-        </p:style>
-      </p:cxnSp>
-      <p:pic>
-        <p:nvPicPr>
-          <p:cNvPr id="1026" name="Picture 2" descr="Free Computer SVG, PNG Icon, Symbol. Download Image.">
-            <a:extLst>
-              <a:ext uri="{FF2B5EF4-FFF2-40B4-BE49-F238E27FC236}">
-                <a16:creationId xmlns:a16="http://schemas.microsoft.com/office/drawing/2014/main" id="{9A751CFC-6B0F-4A54-8570-6E86AFA56177}"/>
-              </a:ext>
-            </a:extLst>
-          </p:cNvPr>
-          <p:cNvPicPr>
-            <a:picLocks noChangeAspect="1" noChangeArrowheads="1"/>
-          </p:cNvPicPr>
-          <p:nvPr/>
-        </p:nvPicPr>
-        <p:blipFill>
-          <a:blip r:embed="rId2">
-            <a:extLst>
-              <a:ext uri="{28A0092B-C50C-407E-A947-70E740481C1C}">
-                <a14:useLocalDpi xmlns:a14="http://schemas.microsoft.com/office/drawing/2010/main" val="0"/>
-              </a:ext>
-            </a:extLst>
-          </a:blip>
-          <a:srcRect/>
-          <a:stretch>
-            <a:fillRect/>
-          </a:stretch>
-        </p:blipFill>
-        <p:spPr bwMode="auto">
-          <a:xfrm>
-            <a:off x="885694" y="5728474"/>
-            <a:ext cx="270824" cy="257584"/>
-          </a:xfrm>
-          <a:prstGeom prst="rect">
-            <a:avLst/>
-          </a:prstGeom>
-          <a:noFill/>
-          <a:extLst>
-            <a:ext uri="{909E8E84-426E-40DD-AFC4-6F175D3DCCD1}">
-              <a14:hiddenFill xmlns:a14="http://schemas.microsoft.com/office/drawing/2010/main">
-                <a:solidFill>
-                  <a:srgbClr val="FFFFFF"/>
-                </a:solidFill>
-              </a14:hiddenFill>
-            </a:ext>
-          </a:extLst>
-        </p:spPr>
-      </p:pic>
-      <p:pic>
-        <p:nvPicPr>
-          <p:cNvPr id="1028" name="Picture 4" descr="Free Icon | Smartphone">
-            <a:extLst>
-              <a:ext uri="{FF2B5EF4-FFF2-40B4-BE49-F238E27FC236}">
-                <a16:creationId xmlns:a16="http://schemas.microsoft.com/office/drawing/2014/main" id="{D2F6EB50-6F11-444E-B087-B9342987AEC4}"/>
-              </a:ext>
-            </a:extLst>
-          </p:cNvPr>
-          <p:cNvPicPr>
-            <a:picLocks noChangeAspect="1" noChangeArrowheads="1"/>
-          </p:cNvPicPr>
-          <p:nvPr/>
-        </p:nvPicPr>
-        <p:blipFill>
-          <a:blip r:embed="rId3">
-            <a:extLst>
-              <a:ext uri="{28A0092B-C50C-407E-A947-70E740481C1C}">
-                <a14:useLocalDpi xmlns:a14="http://schemas.microsoft.com/office/drawing/2010/main" val="0"/>
-              </a:ext>
-            </a:extLst>
-          </a:blip>
-          <a:srcRect/>
-          <a:stretch>
-            <a:fillRect/>
-          </a:stretch>
-        </p:blipFill>
-        <p:spPr bwMode="auto">
-          <a:xfrm>
-            <a:off x="900146" y="6287221"/>
-            <a:ext cx="246600" cy="204831"/>
-          </a:xfrm>
-          <a:prstGeom prst="rect">
-            <a:avLst/>
-          </a:prstGeom>
-          <a:noFill/>
-          <a:extLst>
-            <a:ext uri="{909E8E84-426E-40DD-AFC4-6F175D3DCCD1}">
-              <a14:hiddenFill xmlns:a14="http://schemas.microsoft.com/office/drawing/2010/main">
-                <a:solidFill>
-                  <a:srgbClr val="FFFFFF"/>
-                </a:solidFill>
-              </a14:hiddenFill>
-            </a:ext>
-          </a:extLst>
-        </p:spPr>
-      </p:pic>
-      <p:sp>
-        <p:nvSpPr>
-          <p:cNvPr id="10" name="TextBox 9">
-            <a:extLst>
-              <a:ext uri="{FF2B5EF4-FFF2-40B4-BE49-F238E27FC236}">
-                <a16:creationId xmlns:a16="http://schemas.microsoft.com/office/drawing/2014/main" id="{9363181B-518D-49EC-B970-4F82F199B22B}"/>
-              </a:ext>
-            </a:extLst>
-          </p:cNvPr>
-          <p:cNvSpPr txBox="1"/>
-          <p:nvPr/>
-        </p:nvSpPr>
-        <p:spPr>
-          <a:xfrm>
-            <a:off x="1640731" y="4790757"/>
-            <a:ext cx="1115439" cy="246221"/>
-          </a:xfrm>
-          <a:prstGeom prst="rect">
-            <a:avLst/>
-          </a:prstGeom>
-          <a:noFill/>
-        </p:spPr>
-        <p:txBody>
-          <a:bodyPr wrap="square" rtlCol="0">
-            <a:spAutoFit/>
-          </a:bodyPr>
-          <a:lstStyle/>
-          <a:p>
-            <a:pPr marL="285750" indent="-285750">
-              <a:buFont typeface="Arial" panose="020B0604020202020204" pitchFamily="34" charset="0"/>
-              <a:buChar char="•"/>
-            </a:pPr>
-            <a:r>
-              <a:rPr lang="en-GB" sz="1000" dirty="0"/>
-              <a:t>JavaScript</a:t>
-            </a:r>
-            <a:endParaRPr lang="en-IN" sz="1000" dirty="0"/>
-          </a:p>
-        </p:txBody>
-      </p:sp>
-      <p:sp>
-        <p:nvSpPr>
-          <p:cNvPr id="12" name="TextBox 11">
-            <a:extLst>
-              <a:ext uri="{FF2B5EF4-FFF2-40B4-BE49-F238E27FC236}">
-                <a16:creationId xmlns:a16="http://schemas.microsoft.com/office/drawing/2014/main" id="{27375E65-23C4-4C12-A0B1-17C0325C0AE1}"/>
-              </a:ext>
-            </a:extLst>
-          </p:cNvPr>
-          <p:cNvSpPr txBox="1"/>
-          <p:nvPr/>
-        </p:nvSpPr>
-        <p:spPr>
-          <a:xfrm>
-            <a:off x="2742857" y="4787901"/>
-            <a:ext cx="972766" cy="246221"/>
-          </a:xfrm>
-          <a:prstGeom prst="rect">
-            <a:avLst/>
-          </a:prstGeom>
-          <a:noFill/>
-        </p:spPr>
-        <p:txBody>
-          <a:bodyPr wrap="square" rtlCol="0">
-            <a:spAutoFit/>
-          </a:bodyPr>
-          <a:lstStyle/>
-          <a:p>
-            <a:pPr marL="285750" indent="-285750">
-              <a:buFont typeface="Arial" panose="020B0604020202020204" pitchFamily="34" charset="0"/>
-              <a:buChar char="•"/>
-            </a:pPr>
-            <a:r>
-              <a:rPr lang="en-GB" sz="1000" dirty="0"/>
-              <a:t>Angular</a:t>
-            </a:r>
-            <a:endParaRPr lang="en-IN" sz="1000" dirty="0"/>
-          </a:p>
-        </p:txBody>
-      </p:sp>
-      <p:sp>
-        <p:nvSpPr>
-          <p:cNvPr id="14" name="TextBox 13">
-            <a:extLst>
-              <a:ext uri="{FF2B5EF4-FFF2-40B4-BE49-F238E27FC236}">
-                <a16:creationId xmlns:a16="http://schemas.microsoft.com/office/drawing/2014/main" id="{972C9A0F-0808-4978-879A-D2523E88CDCA}"/>
-              </a:ext>
-            </a:extLst>
-          </p:cNvPr>
-          <p:cNvSpPr txBox="1"/>
-          <p:nvPr/>
-        </p:nvSpPr>
-        <p:spPr>
-          <a:xfrm>
-            <a:off x="3638497" y="4781557"/>
-            <a:ext cx="898366" cy="246221"/>
-          </a:xfrm>
-          <a:prstGeom prst="rect">
-            <a:avLst/>
-          </a:prstGeom>
-          <a:noFill/>
-        </p:spPr>
-        <p:txBody>
-          <a:bodyPr wrap="square" rtlCol="0">
-            <a:spAutoFit/>
-          </a:bodyPr>
-          <a:lstStyle/>
-          <a:p>
-            <a:pPr marL="285750" indent="-285750">
-              <a:buFont typeface="Arial" panose="020B0604020202020204" pitchFamily="34" charset="0"/>
-              <a:buChar char="•"/>
-            </a:pPr>
-            <a:r>
-              <a:rPr lang="en-GB" sz="1000" dirty="0"/>
-              <a:t>React</a:t>
-            </a:r>
-            <a:endParaRPr lang="en-IN" sz="1000" dirty="0"/>
-          </a:p>
-        </p:txBody>
-      </p:sp>
-      <p:sp>
-        <p:nvSpPr>
-          <p:cNvPr id="17" name="TextBox 16">
-            <a:extLst>
-              <a:ext uri="{FF2B5EF4-FFF2-40B4-BE49-F238E27FC236}">
-                <a16:creationId xmlns:a16="http://schemas.microsoft.com/office/drawing/2014/main" id="{2E61EA41-6958-4FFB-BCFF-0E54D285F2CB}"/>
-              </a:ext>
-            </a:extLst>
-          </p:cNvPr>
-          <p:cNvSpPr txBox="1"/>
-          <p:nvPr/>
-        </p:nvSpPr>
-        <p:spPr>
-          <a:xfrm>
-            <a:off x="4510210" y="4775213"/>
-            <a:ext cx="726988" cy="246221"/>
-          </a:xfrm>
-          <a:prstGeom prst="rect">
-            <a:avLst/>
-          </a:prstGeom>
-          <a:noFill/>
-        </p:spPr>
-        <p:txBody>
-          <a:bodyPr wrap="square" rtlCol="0">
-            <a:spAutoFit/>
-          </a:bodyPr>
-          <a:lstStyle/>
-          <a:p>
-            <a:pPr marL="285750" indent="-285750">
-              <a:buFont typeface="Arial" panose="020B0604020202020204" pitchFamily="34" charset="0"/>
-              <a:buChar char="•"/>
-            </a:pPr>
-            <a:r>
-              <a:rPr lang="en-GB" sz="1000" dirty="0"/>
-              <a:t>Vue</a:t>
-            </a:r>
-            <a:endParaRPr lang="en-IN" sz="1000" dirty="0"/>
-          </a:p>
-        </p:txBody>
-      </p:sp>
-      <p:sp>
-        <p:nvSpPr>
-          <p:cNvPr id="18" name="TextBox 17">
-            <a:extLst>
-              <a:ext uri="{FF2B5EF4-FFF2-40B4-BE49-F238E27FC236}">
-                <a16:creationId xmlns:a16="http://schemas.microsoft.com/office/drawing/2014/main" id="{DD82628F-0FA6-4A82-9441-6577C1094E6B}"/>
-              </a:ext>
-            </a:extLst>
-          </p:cNvPr>
-          <p:cNvSpPr txBox="1"/>
-          <p:nvPr/>
-        </p:nvSpPr>
-        <p:spPr>
-          <a:xfrm>
-            <a:off x="5214673" y="4775212"/>
-            <a:ext cx="844617" cy="246221"/>
-          </a:xfrm>
-          <a:prstGeom prst="rect">
-            <a:avLst/>
-          </a:prstGeom>
-          <a:noFill/>
-        </p:spPr>
-        <p:txBody>
-          <a:bodyPr wrap="square" rtlCol="0">
-            <a:spAutoFit/>
-          </a:bodyPr>
-          <a:lstStyle/>
-          <a:p>
-            <a:pPr marL="285750" indent="-285750">
-              <a:buFont typeface="Arial" panose="020B0604020202020204" pitchFamily="34" charset="0"/>
-              <a:buChar char="•"/>
-            </a:pPr>
-            <a:r>
-              <a:rPr lang="en-GB" sz="1000" dirty="0"/>
-              <a:t>Blazer</a:t>
-            </a:r>
-            <a:endParaRPr lang="en-IN" sz="1000" dirty="0"/>
-          </a:p>
-        </p:txBody>
-      </p:sp>
-      <p:sp>
-        <p:nvSpPr>
-          <p:cNvPr id="26" name="TextBox 25">
-            <a:extLst>
-              <a:ext uri="{FF2B5EF4-FFF2-40B4-BE49-F238E27FC236}">
-                <a16:creationId xmlns:a16="http://schemas.microsoft.com/office/drawing/2014/main" id="{8D1641E4-7A83-4683-9040-301CDB7DC491}"/>
-              </a:ext>
-            </a:extLst>
-          </p:cNvPr>
-          <p:cNvSpPr txBox="1"/>
-          <p:nvPr/>
-        </p:nvSpPr>
-        <p:spPr>
-          <a:xfrm>
-            <a:off x="1636500" y="5035900"/>
-            <a:ext cx="940141" cy="246221"/>
-          </a:xfrm>
-          <a:prstGeom prst="rect">
-            <a:avLst/>
-          </a:prstGeom>
-          <a:noFill/>
-        </p:spPr>
-        <p:txBody>
-          <a:bodyPr wrap="square">
-            <a:spAutoFit/>
-          </a:bodyPr>
-          <a:lstStyle/>
-          <a:p>
-            <a:pPr marL="285750" indent="-285750">
-              <a:buFont typeface="Arial" panose="020B0604020202020204" pitchFamily="34" charset="0"/>
-              <a:buChar char="•"/>
-            </a:pPr>
-            <a:r>
-              <a:rPr lang="en-GB" sz="1000" dirty="0"/>
-              <a:t>Flutter</a:t>
-            </a:r>
-            <a:endParaRPr lang="en-IN" sz="1000" dirty="0"/>
-          </a:p>
-        </p:txBody>
-      </p:sp>
-      <p:sp>
-        <p:nvSpPr>
-          <p:cNvPr id="30" name="TextBox 29">
-            <a:extLst>
-              <a:ext uri="{FF2B5EF4-FFF2-40B4-BE49-F238E27FC236}">
-                <a16:creationId xmlns:a16="http://schemas.microsoft.com/office/drawing/2014/main" id="{A377DF2C-FBD3-4402-B7A3-D5E65C25B39B}"/>
-              </a:ext>
-            </a:extLst>
-          </p:cNvPr>
-          <p:cNvSpPr txBox="1"/>
-          <p:nvPr/>
-        </p:nvSpPr>
-        <p:spPr>
-          <a:xfrm>
-            <a:off x="2486209" y="5035900"/>
-            <a:ext cx="972759" cy="246221"/>
-          </a:xfrm>
-          <a:prstGeom prst="rect">
-            <a:avLst/>
-          </a:prstGeom>
-          <a:noFill/>
-        </p:spPr>
-        <p:txBody>
-          <a:bodyPr wrap="square">
-            <a:spAutoFit/>
-          </a:bodyPr>
-          <a:lstStyle/>
-          <a:p>
-            <a:pPr marL="285750" indent="-285750">
-              <a:buFont typeface="Arial" panose="020B0604020202020204" pitchFamily="34" charset="0"/>
-              <a:buChar char="•"/>
-            </a:pPr>
-            <a:r>
-              <a:rPr lang="en-GB" sz="1000" dirty="0"/>
-              <a:t>jQuery</a:t>
-            </a:r>
-            <a:endParaRPr lang="en-IN" sz="1000" dirty="0"/>
-          </a:p>
-        </p:txBody>
-      </p:sp>
-      <p:sp>
-        <p:nvSpPr>
-          <p:cNvPr id="32" name="TextBox 31">
-            <a:extLst>
-              <a:ext uri="{FF2B5EF4-FFF2-40B4-BE49-F238E27FC236}">
-                <a16:creationId xmlns:a16="http://schemas.microsoft.com/office/drawing/2014/main" id="{143AD2FB-3113-4009-8923-600586BB8130}"/>
-              </a:ext>
-            </a:extLst>
-          </p:cNvPr>
-          <p:cNvSpPr txBox="1"/>
-          <p:nvPr/>
-        </p:nvSpPr>
-        <p:spPr>
-          <a:xfrm>
-            <a:off x="3307395" y="5045232"/>
-            <a:ext cx="1307466" cy="246221"/>
-          </a:xfrm>
-          <a:prstGeom prst="rect">
-            <a:avLst/>
-          </a:prstGeom>
-          <a:noFill/>
-        </p:spPr>
-        <p:txBody>
-          <a:bodyPr wrap="square">
-            <a:spAutoFit/>
-          </a:bodyPr>
-          <a:lstStyle/>
-          <a:p>
-            <a:pPr marL="285750" indent="-285750">
-              <a:buFont typeface="Arial" panose="020B0604020202020204" pitchFamily="34" charset="0"/>
-              <a:buChar char="•"/>
-            </a:pPr>
-            <a:r>
-              <a:rPr lang="en-GB" sz="1000" dirty="0"/>
-              <a:t>ASP.NET MVC</a:t>
-            </a:r>
-            <a:endParaRPr lang="en-IN" sz="1000" dirty="0"/>
-          </a:p>
-        </p:txBody>
-      </p:sp>
-      <p:sp>
-        <p:nvSpPr>
-          <p:cNvPr id="34" name="TextBox 33">
-            <a:extLst>
-              <a:ext uri="{FF2B5EF4-FFF2-40B4-BE49-F238E27FC236}">
-                <a16:creationId xmlns:a16="http://schemas.microsoft.com/office/drawing/2014/main" id="{A75D5821-192E-4B89-929B-4755F6B15C4E}"/>
-              </a:ext>
-            </a:extLst>
-          </p:cNvPr>
-          <p:cNvSpPr txBox="1"/>
-          <p:nvPr/>
-        </p:nvSpPr>
-        <p:spPr>
-          <a:xfrm>
-            <a:off x="4561094" y="5027778"/>
-            <a:ext cx="1470691" cy="246221"/>
-          </a:xfrm>
-          <a:prstGeom prst="rect">
-            <a:avLst/>
-          </a:prstGeom>
-          <a:noFill/>
-        </p:spPr>
-        <p:txBody>
-          <a:bodyPr wrap="square">
-            <a:spAutoFit/>
-          </a:bodyPr>
-          <a:lstStyle/>
-          <a:p>
-            <a:pPr marL="285750" indent="-285750">
-              <a:buFont typeface="Arial" panose="020B0604020202020204" pitchFamily="34" charset="0"/>
-              <a:buChar char="•"/>
-            </a:pPr>
-            <a:r>
-              <a:rPr lang="en-GB" sz="1000" dirty="0"/>
-              <a:t>ASP.NET Core</a:t>
-            </a:r>
-            <a:endParaRPr lang="en-IN" sz="1000" dirty="0"/>
-          </a:p>
-        </p:txBody>
-      </p:sp>
-      <p:sp>
-        <p:nvSpPr>
-          <p:cNvPr id="38" name="TextBox 37">
-            <a:extLst>
-              <a:ext uri="{FF2B5EF4-FFF2-40B4-BE49-F238E27FC236}">
-                <a16:creationId xmlns:a16="http://schemas.microsoft.com/office/drawing/2014/main" id="{7AF2DEF6-29FE-4745-8F9C-FC5ED43B53F5}"/>
-              </a:ext>
-            </a:extLst>
-          </p:cNvPr>
-          <p:cNvSpPr txBox="1"/>
-          <p:nvPr/>
-        </p:nvSpPr>
-        <p:spPr>
-          <a:xfrm>
-            <a:off x="1633581" y="5263770"/>
-            <a:ext cx="1660187" cy="246221"/>
-          </a:xfrm>
-          <a:prstGeom prst="rect">
-            <a:avLst/>
-          </a:prstGeom>
-          <a:noFill/>
-        </p:spPr>
-        <p:txBody>
-          <a:bodyPr wrap="square">
-            <a:spAutoFit/>
-          </a:bodyPr>
-          <a:lstStyle/>
-          <a:p>
-            <a:pPr marL="285750" indent="-285750">
-              <a:buFont typeface="Arial" panose="020B0604020202020204" pitchFamily="34" charset="0"/>
-              <a:buChar char="•"/>
-            </a:pPr>
-            <a:r>
-              <a:rPr lang="en-GB" sz="1000" dirty="0"/>
-              <a:t>ASP.NET WEB Forms</a:t>
-            </a:r>
-            <a:endParaRPr lang="en-IN" sz="1000" dirty="0"/>
-          </a:p>
-        </p:txBody>
-      </p:sp>
-      <p:sp>
-        <p:nvSpPr>
-          <p:cNvPr id="41" name="TextBox 40">
-            <a:extLst>
-              <a:ext uri="{FF2B5EF4-FFF2-40B4-BE49-F238E27FC236}">
-                <a16:creationId xmlns:a16="http://schemas.microsoft.com/office/drawing/2014/main" id="{BDE16D55-A48A-4E7C-B8F4-2B06184A9B70}"/>
-              </a:ext>
-            </a:extLst>
-          </p:cNvPr>
-          <p:cNvSpPr txBox="1"/>
-          <p:nvPr/>
-        </p:nvSpPr>
-        <p:spPr>
-          <a:xfrm>
-            <a:off x="1633581" y="5600231"/>
-            <a:ext cx="1088133" cy="246221"/>
-          </a:xfrm>
-          <a:prstGeom prst="rect">
-            <a:avLst/>
-          </a:prstGeom>
-          <a:noFill/>
-        </p:spPr>
-        <p:txBody>
-          <a:bodyPr wrap="square">
-            <a:spAutoFit/>
-          </a:bodyPr>
-          <a:lstStyle/>
-          <a:p>
-            <a:pPr marL="285750" indent="-285750">
-              <a:buFont typeface="Arial" panose="020B0604020202020204" pitchFamily="34" charset="0"/>
-              <a:buChar char="•"/>
-            </a:pPr>
-            <a:r>
-              <a:rPr lang="en-GB" sz="1000" dirty="0"/>
-              <a:t>WinForms</a:t>
-            </a:r>
-            <a:endParaRPr lang="en-IN" sz="1000" dirty="0"/>
-          </a:p>
-        </p:txBody>
-      </p:sp>
-      <p:sp>
-        <p:nvSpPr>
-          <p:cNvPr id="43" name="TextBox 42">
-            <a:extLst>
-              <a:ext uri="{FF2B5EF4-FFF2-40B4-BE49-F238E27FC236}">
-                <a16:creationId xmlns:a16="http://schemas.microsoft.com/office/drawing/2014/main" id="{48578D65-15E3-4F8F-91C8-994D4C7870DF}"/>
-              </a:ext>
-            </a:extLst>
-          </p:cNvPr>
-          <p:cNvSpPr txBox="1"/>
-          <p:nvPr/>
-        </p:nvSpPr>
-        <p:spPr>
-          <a:xfrm>
-            <a:off x="2671482" y="5602465"/>
-            <a:ext cx="729129" cy="246221"/>
-          </a:xfrm>
-          <a:prstGeom prst="rect">
-            <a:avLst/>
-          </a:prstGeom>
-          <a:noFill/>
-        </p:spPr>
-        <p:txBody>
-          <a:bodyPr wrap="square">
-            <a:spAutoFit/>
-          </a:bodyPr>
-          <a:lstStyle/>
-          <a:p>
-            <a:pPr marL="285750" indent="-285750">
-              <a:buFont typeface="Arial" panose="020B0604020202020204" pitchFamily="34" charset="0"/>
-              <a:buChar char="•"/>
-            </a:pPr>
-            <a:r>
-              <a:rPr lang="en-GB" sz="1000" dirty="0"/>
-              <a:t>WPF</a:t>
-            </a:r>
-            <a:endParaRPr lang="en-IN" sz="1000" dirty="0"/>
-          </a:p>
-        </p:txBody>
-      </p:sp>
-      <p:sp>
-        <p:nvSpPr>
-          <p:cNvPr id="45" name="TextBox 44">
-            <a:extLst>
-              <a:ext uri="{FF2B5EF4-FFF2-40B4-BE49-F238E27FC236}">
-                <a16:creationId xmlns:a16="http://schemas.microsoft.com/office/drawing/2014/main" id="{B666B059-B46D-42C4-9670-C87422D3F13C}"/>
-              </a:ext>
-            </a:extLst>
-          </p:cNvPr>
-          <p:cNvSpPr txBox="1"/>
-          <p:nvPr/>
-        </p:nvSpPr>
-        <p:spPr>
-          <a:xfrm>
-            <a:off x="3400610" y="5605364"/>
-            <a:ext cx="881597" cy="246221"/>
-          </a:xfrm>
-          <a:prstGeom prst="rect">
-            <a:avLst/>
-          </a:prstGeom>
-          <a:noFill/>
-        </p:spPr>
-        <p:txBody>
-          <a:bodyPr wrap="square">
-            <a:spAutoFit/>
-          </a:bodyPr>
-          <a:lstStyle/>
-          <a:p>
-            <a:pPr marL="285750" indent="-285750">
-              <a:buFont typeface="Arial" panose="020B0604020202020204" pitchFamily="34" charset="0"/>
-              <a:buChar char="•"/>
-            </a:pPr>
-            <a:r>
-              <a:rPr lang="en-GB" sz="1000" dirty="0"/>
-              <a:t>Win UI</a:t>
-            </a:r>
-            <a:endParaRPr lang="en-IN" sz="1000" dirty="0"/>
-          </a:p>
-        </p:txBody>
-      </p:sp>
-      <p:sp>
-        <p:nvSpPr>
-          <p:cNvPr id="47" name="TextBox 46">
-            <a:extLst>
-              <a:ext uri="{FF2B5EF4-FFF2-40B4-BE49-F238E27FC236}">
-                <a16:creationId xmlns:a16="http://schemas.microsoft.com/office/drawing/2014/main" id="{D39941D7-511A-49E9-81A9-A7FF4E78A8AF}"/>
-              </a:ext>
-            </a:extLst>
-          </p:cNvPr>
-          <p:cNvSpPr txBox="1"/>
-          <p:nvPr/>
-        </p:nvSpPr>
-        <p:spPr>
-          <a:xfrm>
-            <a:off x="4209885" y="5596619"/>
-            <a:ext cx="898366" cy="246221"/>
-          </a:xfrm>
-          <a:prstGeom prst="rect">
-            <a:avLst/>
-          </a:prstGeom>
-          <a:noFill/>
-        </p:spPr>
-        <p:txBody>
-          <a:bodyPr wrap="square">
-            <a:spAutoFit/>
-          </a:bodyPr>
-          <a:lstStyle/>
-          <a:p>
-            <a:pPr marL="285750" indent="-285750">
-              <a:buFont typeface="Arial" panose="020B0604020202020204" pitchFamily="34" charset="0"/>
-              <a:buChar char="•"/>
-            </a:pPr>
-            <a:r>
-              <a:rPr lang="en-GB" sz="1000" dirty="0"/>
-              <a:t>Flutter</a:t>
-            </a:r>
-            <a:endParaRPr lang="en-IN" sz="1000" dirty="0"/>
-          </a:p>
-        </p:txBody>
-      </p:sp>
-      <p:sp>
-        <p:nvSpPr>
-          <p:cNvPr id="49" name="TextBox 48">
-            <a:extLst>
-              <a:ext uri="{FF2B5EF4-FFF2-40B4-BE49-F238E27FC236}">
-                <a16:creationId xmlns:a16="http://schemas.microsoft.com/office/drawing/2014/main" id="{D20EE3F4-23D9-4B4E-9352-74A214A7D025}"/>
-              </a:ext>
-            </a:extLst>
-          </p:cNvPr>
-          <p:cNvSpPr txBox="1"/>
-          <p:nvPr/>
-        </p:nvSpPr>
-        <p:spPr>
-          <a:xfrm>
-            <a:off x="5030093" y="5596618"/>
-            <a:ext cx="1117266" cy="246221"/>
-          </a:xfrm>
-          <a:prstGeom prst="rect">
-            <a:avLst/>
-          </a:prstGeom>
-          <a:noFill/>
-        </p:spPr>
-        <p:txBody>
-          <a:bodyPr wrap="square">
-            <a:spAutoFit/>
-          </a:bodyPr>
-          <a:lstStyle/>
-          <a:p>
-            <a:pPr marL="285750" indent="-285750">
-              <a:buFont typeface="Arial" panose="020B0604020202020204" pitchFamily="34" charset="0"/>
-              <a:buChar char="•"/>
-            </a:pPr>
-            <a:r>
-              <a:rPr lang="en-GB" sz="1000" dirty="0"/>
-              <a:t>Xamarin</a:t>
-            </a:r>
-            <a:endParaRPr lang="en-IN" sz="1000" dirty="0"/>
-          </a:p>
-        </p:txBody>
-      </p:sp>
-      <p:sp>
-        <p:nvSpPr>
-          <p:cNvPr id="51" name="TextBox 50">
-            <a:extLst>
-              <a:ext uri="{FF2B5EF4-FFF2-40B4-BE49-F238E27FC236}">
-                <a16:creationId xmlns:a16="http://schemas.microsoft.com/office/drawing/2014/main" id="{86DBCBBF-BEC0-48DF-83E5-0221728EC289}"/>
-              </a:ext>
-            </a:extLst>
-          </p:cNvPr>
-          <p:cNvSpPr txBox="1"/>
-          <p:nvPr/>
-        </p:nvSpPr>
-        <p:spPr>
-          <a:xfrm>
-            <a:off x="1659531" y="5882250"/>
-            <a:ext cx="823245" cy="246221"/>
-          </a:xfrm>
-          <a:prstGeom prst="rect">
-            <a:avLst/>
-          </a:prstGeom>
-          <a:noFill/>
-        </p:spPr>
-        <p:txBody>
-          <a:bodyPr wrap="square">
-            <a:spAutoFit/>
-          </a:bodyPr>
-          <a:lstStyle/>
-          <a:p>
-            <a:pPr marL="285750" indent="-285750">
-              <a:buFont typeface="Arial" panose="020B0604020202020204" pitchFamily="34" charset="0"/>
-              <a:buChar char="•"/>
-            </a:pPr>
-            <a:r>
-              <a:rPr lang="en-GB" sz="1000" dirty="0"/>
-              <a:t>UWP</a:t>
-            </a:r>
-            <a:endParaRPr lang="en-IN" sz="1000" dirty="0"/>
-          </a:p>
-        </p:txBody>
-      </p:sp>
-      <p:sp>
-        <p:nvSpPr>
-          <p:cNvPr id="52" name="TextBox 51">
-            <a:extLst>
-              <a:ext uri="{FF2B5EF4-FFF2-40B4-BE49-F238E27FC236}">
-                <a16:creationId xmlns:a16="http://schemas.microsoft.com/office/drawing/2014/main" id="{6FC62C69-5174-45C6-8982-5E8A12D8FC8F}"/>
-              </a:ext>
-            </a:extLst>
-          </p:cNvPr>
-          <p:cNvSpPr txBox="1"/>
-          <p:nvPr/>
-        </p:nvSpPr>
-        <p:spPr>
-          <a:xfrm>
-            <a:off x="1640731" y="6248304"/>
-            <a:ext cx="1117266" cy="246221"/>
-          </a:xfrm>
-          <a:prstGeom prst="rect">
-            <a:avLst/>
-          </a:prstGeom>
-          <a:noFill/>
-        </p:spPr>
-        <p:txBody>
-          <a:bodyPr wrap="square">
-            <a:spAutoFit/>
-          </a:bodyPr>
-          <a:lstStyle/>
-          <a:p>
-            <a:pPr marL="285750" indent="-285750">
-              <a:buFont typeface="Arial" panose="020B0604020202020204" pitchFamily="34" charset="0"/>
-              <a:buChar char="•"/>
-            </a:pPr>
-            <a:r>
-              <a:rPr lang="en-GB" sz="1000" dirty="0"/>
-              <a:t>Xamarin</a:t>
-            </a:r>
-            <a:endParaRPr lang="en-IN" sz="1000" dirty="0"/>
-          </a:p>
-        </p:txBody>
-      </p:sp>
-      <p:sp>
-        <p:nvSpPr>
-          <p:cNvPr id="54" name="TextBox 53">
-            <a:extLst>
-              <a:ext uri="{FF2B5EF4-FFF2-40B4-BE49-F238E27FC236}">
-                <a16:creationId xmlns:a16="http://schemas.microsoft.com/office/drawing/2014/main" id="{442784DC-2FCE-4993-86C3-AD88F0391198}"/>
-              </a:ext>
-            </a:extLst>
-          </p:cNvPr>
-          <p:cNvSpPr txBox="1"/>
-          <p:nvPr/>
-        </p:nvSpPr>
-        <p:spPr>
-          <a:xfrm>
-            <a:off x="2659300" y="6248304"/>
-            <a:ext cx="898366" cy="246221"/>
-          </a:xfrm>
-          <a:prstGeom prst="rect">
-            <a:avLst/>
-          </a:prstGeom>
-          <a:noFill/>
-        </p:spPr>
-        <p:txBody>
-          <a:bodyPr wrap="square">
-            <a:spAutoFit/>
-          </a:bodyPr>
-          <a:lstStyle/>
-          <a:p>
-            <a:pPr marL="285750" indent="-285750">
-              <a:buFont typeface="Arial" panose="020B0604020202020204" pitchFamily="34" charset="0"/>
-              <a:buChar char="•"/>
-            </a:pPr>
-            <a:r>
-              <a:rPr lang="en-GB" sz="1000" dirty="0"/>
-              <a:t>Flutter</a:t>
-            </a:r>
-            <a:endParaRPr lang="en-IN" sz="1000" dirty="0"/>
-          </a:p>
-        </p:txBody>
-      </p:sp>
-      <p:sp>
-        <p:nvSpPr>
-          <p:cNvPr id="55" name="TextBox 54">
-            <a:extLst>
-              <a:ext uri="{FF2B5EF4-FFF2-40B4-BE49-F238E27FC236}">
-                <a16:creationId xmlns:a16="http://schemas.microsoft.com/office/drawing/2014/main" id="{F8C538F1-F7FD-4B1E-BFD2-E7FC1A2A08CA}"/>
-              </a:ext>
-            </a:extLst>
-          </p:cNvPr>
-          <p:cNvSpPr txBox="1"/>
-          <p:nvPr/>
-        </p:nvSpPr>
-        <p:spPr>
-          <a:xfrm>
-            <a:off x="3494683" y="6254329"/>
-            <a:ext cx="823245" cy="246221"/>
-          </a:xfrm>
-          <a:prstGeom prst="rect">
-            <a:avLst/>
-          </a:prstGeom>
-          <a:noFill/>
-        </p:spPr>
-        <p:txBody>
-          <a:bodyPr wrap="square">
-            <a:spAutoFit/>
-          </a:bodyPr>
-          <a:lstStyle/>
-          <a:p>
-            <a:pPr marL="285750" indent="-285750">
-              <a:buFont typeface="Arial" panose="020B0604020202020204" pitchFamily="34" charset="0"/>
-              <a:buChar char="•"/>
-            </a:pPr>
-            <a:r>
-              <a:rPr lang="en-GB" sz="1000" dirty="0"/>
-              <a:t>UWP</a:t>
-            </a:r>
-            <a:endParaRPr lang="en-IN" sz="1000" dirty="0"/>
-          </a:p>
-        </p:txBody>
-      </p:sp>
-      <p:sp>
-        <p:nvSpPr>
-          <p:cNvPr id="33" name="TextBox 32">
-            <a:extLst>
-              <a:ext uri="{FF2B5EF4-FFF2-40B4-BE49-F238E27FC236}">
-                <a16:creationId xmlns:a16="http://schemas.microsoft.com/office/drawing/2014/main" id="{5692972B-9A3C-432D-8FE6-30511F767D1A}"/>
-              </a:ext>
-            </a:extLst>
-          </p:cNvPr>
-          <p:cNvSpPr txBox="1"/>
-          <p:nvPr/>
-        </p:nvSpPr>
-        <p:spPr>
-          <a:xfrm>
-            <a:off x="4231729" y="6248303"/>
-            <a:ext cx="1115439" cy="246221"/>
-          </a:xfrm>
-          <a:prstGeom prst="rect">
-            <a:avLst/>
-          </a:prstGeom>
-          <a:noFill/>
-        </p:spPr>
-        <p:txBody>
-          <a:bodyPr wrap="square" rtlCol="0">
-            <a:spAutoFit/>
-          </a:bodyPr>
-          <a:lstStyle/>
-          <a:p>
-            <a:pPr marL="285750" indent="-285750">
-              <a:buFont typeface="Arial" panose="020B0604020202020204" pitchFamily="34" charset="0"/>
-              <a:buChar char="•"/>
-            </a:pPr>
-            <a:r>
-              <a:rPr lang="en-GB" sz="1000" dirty="0"/>
-              <a:t>JavaScript</a:t>
-            </a:r>
-            <a:endParaRPr lang="en-IN" sz="1000" dirty="0"/>
-          </a:p>
-        </p:txBody>
-      </p:sp>
-      <p:sp>
-        <p:nvSpPr>
-          <p:cNvPr id="35" name="TextBox 34">
-            <a:extLst>
-              <a:ext uri="{FF2B5EF4-FFF2-40B4-BE49-F238E27FC236}">
-                <a16:creationId xmlns:a16="http://schemas.microsoft.com/office/drawing/2014/main" id="{E2985B15-0962-41D2-BEB0-FBFD0F7C1AF6}"/>
-              </a:ext>
-            </a:extLst>
-          </p:cNvPr>
-          <p:cNvSpPr txBox="1"/>
-          <p:nvPr/>
-        </p:nvSpPr>
-        <p:spPr>
-          <a:xfrm>
-            <a:off x="2523058" y="5882250"/>
-            <a:ext cx="1115439" cy="246221"/>
-          </a:xfrm>
-          <a:prstGeom prst="rect">
-            <a:avLst/>
-          </a:prstGeom>
-          <a:noFill/>
-        </p:spPr>
-        <p:txBody>
-          <a:bodyPr wrap="square" rtlCol="0">
-            <a:spAutoFit/>
-          </a:bodyPr>
-          <a:lstStyle/>
-          <a:p>
-            <a:pPr marL="285750" indent="-285750">
-              <a:buFont typeface="Arial" panose="020B0604020202020204" pitchFamily="34" charset="0"/>
-              <a:buChar char="•"/>
-            </a:pPr>
-            <a:r>
-              <a:rPr lang="en-GB" sz="1000" dirty="0"/>
-              <a:t>.NET MAUI</a:t>
-            </a:r>
-            <a:endParaRPr lang="en-IN" sz="1000" dirty="0"/>
-          </a:p>
-        </p:txBody>
-      </p:sp>
-      <p:sp>
-        <p:nvSpPr>
-          <p:cNvPr id="36" name="TextBox 35">
-            <a:extLst>
-              <a:ext uri="{FF2B5EF4-FFF2-40B4-BE49-F238E27FC236}">
-                <a16:creationId xmlns:a16="http://schemas.microsoft.com/office/drawing/2014/main" id="{51A8AEEE-7786-423C-BA31-A82D612032C9}"/>
-              </a:ext>
-            </a:extLst>
-          </p:cNvPr>
-          <p:cNvSpPr txBox="1"/>
-          <p:nvPr/>
-        </p:nvSpPr>
-        <p:spPr>
-          <a:xfrm>
-            <a:off x="5344629" y="6254818"/>
-            <a:ext cx="1115439" cy="246221"/>
-          </a:xfrm>
-          <a:prstGeom prst="rect">
-            <a:avLst/>
-          </a:prstGeom>
-          <a:noFill/>
-        </p:spPr>
-        <p:txBody>
-          <a:bodyPr wrap="square" rtlCol="0">
-            <a:spAutoFit/>
-          </a:bodyPr>
-          <a:lstStyle/>
-          <a:p>
-            <a:pPr marL="285750" indent="-285750">
-              <a:buFont typeface="Arial" panose="020B0604020202020204" pitchFamily="34" charset="0"/>
-              <a:buChar char="•"/>
-            </a:pPr>
-            <a:r>
-              <a:rPr lang="en-GB" sz="1000" dirty="0"/>
-              <a:t>.NET MAUI</a:t>
-            </a:r>
-            <a:endParaRPr lang="en-IN" sz="1000" dirty="0"/>
-          </a:p>
-        </p:txBody>
-      </p:sp>
-      <p:pic>
-        <p:nvPicPr>
-          <p:cNvPr id="2050" name="Picture 2" descr="Syncfusion Essential Chart">
-            <a:extLst>
-              <a:ext uri="{FF2B5EF4-FFF2-40B4-BE49-F238E27FC236}">
-                <a16:creationId xmlns:a16="http://schemas.microsoft.com/office/drawing/2014/main" id="{D5B34E38-9550-49B7-9613-4DF4C3B2EFE0}"/>
-              </a:ext>
-            </a:extLst>
-          </p:cNvPr>
-          <p:cNvPicPr>
-            <a:picLocks noChangeAspect="1" noChangeArrowheads="1"/>
-          </p:cNvPicPr>
-          <p:nvPr/>
-        </p:nvPicPr>
-        <p:blipFill>
-          <a:blip r:embed="rId4">
-            <a:extLst>
-              <a:ext uri="{28A0092B-C50C-407E-A947-70E740481C1C}">
-                <a14:useLocalDpi xmlns:a14="http://schemas.microsoft.com/office/drawing/2010/main" val="0"/>
-              </a:ext>
-            </a:extLst>
-          </a:blip>
-          <a:srcRect/>
-          <a:stretch>
-            <a:fillRect/>
-          </a:stretch>
-        </p:blipFill>
-        <p:spPr bwMode="auto">
-          <a:xfrm>
-            <a:off x="6629235" y="596123"/>
-            <a:ext cx="5267210" cy="4790757"/>
-          </a:xfrm>
-          <a:prstGeom prst="rect">
-            <a:avLst/>
-          </a:prstGeom>
-          <a:solidFill>
-            <a:schemeClr val="accent1"/>
-          </a:solidFill>
-        </p:spPr>
-      </p:pic>
-      <p:pic>
-        <p:nvPicPr>
-          <p:cNvPr id="37" name="Picture 6" descr="Earth Globe Svg Png Icon Free Download (#499092 ...">
-            <a:extLst>
-              <a:ext uri="{FF2B5EF4-FFF2-40B4-BE49-F238E27FC236}">
-                <a16:creationId xmlns:a16="http://schemas.microsoft.com/office/drawing/2014/main" id="{4B3EA047-1A1C-469F-ADA7-6C5D04D418C9}"/>
-              </a:ext>
-            </a:extLst>
-          </p:cNvPr>
-          <p:cNvPicPr>
-            <a:picLocks noChangeAspect="1" noChangeArrowheads="1"/>
-          </p:cNvPicPr>
-          <p:nvPr/>
-        </p:nvPicPr>
-        <p:blipFill>
-          <a:blip r:embed="rId5">
-            <a:extLst>
-              <a:ext uri="{28A0092B-C50C-407E-A947-70E740481C1C}">
-                <a14:useLocalDpi xmlns:a14="http://schemas.microsoft.com/office/drawing/2010/main" val="0"/>
-              </a:ext>
-            </a:extLst>
-          </a:blip>
-          <a:srcRect/>
-          <a:stretch>
-            <a:fillRect/>
-          </a:stretch>
-        </p:blipFill>
-        <p:spPr bwMode="auto">
-          <a:xfrm>
-            <a:off x="900146" y="4934383"/>
-            <a:ext cx="239720" cy="233959"/>
-          </a:xfrm>
-          <a:prstGeom prst="rect">
-            <a:avLst/>
-          </a:prstGeom>
-          <a:noFill/>
-          <a:extLst>
-            <a:ext uri="{909E8E84-426E-40DD-AFC4-6F175D3DCCD1}">
-              <a14:hiddenFill xmlns:a14="http://schemas.microsoft.com/office/drawing/2010/main">
-                <a:solidFill>
-                  <a:srgbClr val="FFFFFF"/>
-                </a:solidFill>
-              </a14:hiddenFill>
-            </a:ext>
-          </a:extLst>
-        </p:spPr>
-      </p:pic>
-    </p:spTree>
-    <p:extLst>
-      <p:ext uri="{BB962C8B-B14F-4D97-AF65-F5344CB8AC3E}">
-        <p14:creationId xmlns:p14="http://schemas.microsoft.com/office/powerpoint/2010/main" val="891170336"/>
-      </p:ext>
-    </p:extLst>
-  </p:cSld>
-  <p:clrMapOvr>
-    <a:masterClrMapping/>
-  </p:clrMapOvr>
-  <p:transition spd="slow">
-    <p:push dir="r"/>
   </p:transition>
 </p:sld>
 </file>
